--- a/G7-Bookathon.pptx
+++ b/G7-Bookathon.pptx
@@ -2,7 +2,7 @@
 <file path=ppt/presentation.xml><?xml version="1.0" encoding="utf-8"?>
 <p:presentation xmlns:a="http://schemas.openxmlformats.org/drawingml/2006/main" xmlns:r="http://schemas.openxmlformats.org/officeDocument/2006/relationships" xmlns:p="http://schemas.openxmlformats.org/presentationml/2006/main" saveSubsetFonts="1" autoCompressPictures="0">
   <p:sldMasterIdLst>
-    <p:sldMasterId id="2147483648" r:id="rId1"/>
+    <p:sldMasterId id="2147483677" r:id="rId1"/>
   </p:sldMasterIdLst>
   <p:sldIdLst>
     <p:sldId id="257" r:id="rId2"/>
@@ -11,9 +11,15 @@
     <p:sldId id="260" r:id="rId5"/>
     <p:sldId id="261" r:id="rId6"/>
     <p:sldId id="262" r:id="rId7"/>
-    <p:sldId id="263" r:id="rId8"/>
-    <p:sldId id="264" r:id="rId9"/>
-    <p:sldId id="265" r:id="rId10"/>
+    <p:sldId id="267" r:id="rId8"/>
+    <p:sldId id="269" r:id="rId9"/>
+    <p:sldId id="270" r:id="rId10"/>
+    <p:sldId id="271" r:id="rId11"/>
+    <p:sldId id="268" r:id="rId12"/>
+    <p:sldId id="272" r:id="rId13"/>
+    <p:sldId id="263" r:id="rId14"/>
+    <p:sldId id="264" r:id="rId15"/>
+    <p:sldId id="265" r:id="rId16"/>
   </p:sldIdLst>
   <p:sldSz cx="12192000" cy="6858000"/>
   <p:notesSz cx="6858000" cy="9144000"/>
@@ -112,11 +118,16 @@
       </a:defRPr>
     </a:lvl9pPr>
   </p:defaultTextStyle>
+  <p:extLst>
+    <p:ext uri="{EFAFB233-063F-42B5-8137-9DF3F51BA10A}">
+      <p15:sldGuideLst xmlns:p15="http://schemas.microsoft.com/office/powerpoint/2012/main"/>
+    </p:ext>
+  </p:extLst>
 </p:presentation>
 </file>
 
 <file path=ppt/slideLayouts/slideLayout1.xml><?xml version="1.0" encoding="utf-8"?>
-<p:sldLayout xmlns:a="http://schemas.openxmlformats.org/drawingml/2006/main" xmlns:r="http://schemas.openxmlformats.org/officeDocument/2006/relationships" xmlns:p="http://schemas.openxmlformats.org/presentationml/2006/main" type="title" preserve="1">
+<p:sldLayout xmlns:a="http://schemas.openxmlformats.org/drawingml/2006/main" xmlns:r="http://schemas.openxmlformats.org/officeDocument/2006/relationships" xmlns:p="http://schemas.openxmlformats.org/presentationml/2006/main" showMasterSp="0" type="title" preserve="1">
   <p:cSld name="Title Slide">
     <p:spTree>
       <p:nvGrpSpPr>
@@ -134,25 +145,113 @@
       </p:grpSpPr>
       <p:sp>
         <p:nvSpPr>
-          <p:cNvPr id="2" name="Title 1"/>
-          <p:cNvSpPr>
-            <a:spLocks noGrp="1"/>
-          </p:cNvSpPr>
-          <p:nvPr>
-            <p:ph type="ctrTitle"/>
-          </p:nvPr>
+          <p:cNvPr id="7" name="Rectangle 6"/>
+          <p:cNvSpPr/>
+          <p:nvPr/>
         </p:nvSpPr>
         <p:spPr>
           <a:xfrm>
-            <a:off x="1524000" y="1122363"/>
-            <a:ext cx="9144000" cy="2387600"/>
+            <a:off x="3175" y="6400800"/>
+            <a:ext cx="12188825" cy="457200"/>
+          </a:xfrm>
+          <a:prstGeom prst="rect">
+            <a:avLst/>
+          </a:prstGeom>
+          <a:solidFill>
+            <a:schemeClr val="accent2"/>
+          </a:solidFill>
+          <a:ln>
+            <a:noFill/>
+          </a:ln>
+        </p:spPr>
+        <p:style>
+          <a:lnRef idx="2">
+            <a:schemeClr val="accent1">
+              <a:shade val="50000"/>
+            </a:schemeClr>
+          </a:lnRef>
+          <a:fillRef idx="1">
+            <a:schemeClr val="accent1"/>
+          </a:fillRef>
+          <a:effectRef idx="0">
+            <a:schemeClr val="accent1"/>
+          </a:effectRef>
+          <a:fontRef idx="minor">
+            <a:schemeClr val="lt1"/>
+          </a:fontRef>
+        </p:style>
+      </p:sp>
+      <p:sp>
+        <p:nvSpPr>
+          <p:cNvPr id="8" name="Rectangle 7"/>
+          <p:cNvSpPr/>
+          <p:nvPr/>
+        </p:nvSpPr>
+        <p:spPr>
+          <a:xfrm>
+            <a:off x="15" y="6334316"/>
+            <a:ext cx="12188825" cy="64008"/>
+          </a:xfrm>
+          <a:prstGeom prst="rect">
+            <a:avLst/>
+          </a:prstGeom>
+          <a:solidFill>
+            <a:schemeClr val="accent1"/>
+          </a:solidFill>
+          <a:ln>
+            <a:noFill/>
+          </a:ln>
+        </p:spPr>
+        <p:style>
+          <a:lnRef idx="2">
+            <a:schemeClr val="accent1">
+              <a:shade val="50000"/>
+            </a:schemeClr>
+          </a:lnRef>
+          <a:fillRef idx="1">
+            <a:schemeClr val="accent1"/>
+          </a:fillRef>
+          <a:effectRef idx="0">
+            <a:schemeClr val="accent1"/>
+          </a:effectRef>
+          <a:fontRef idx="minor">
+            <a:schemeClr val="lt1"/>
+          </a:fontRef>
+        </p:style>
+      </p:sp>
+      <p:sp>
+        <p:nvSpPr>
+          <p:cNvPr id="2" name="Title 1"/>
+          <p:cNvSpPr>
+            <a:spLocks noGrp="1"/>
+          </p:cNvSpPr>
+          <p:nvPr>
+            <p:ph type="ctrTitle"/>
+          </p:nvPr>
+        </p:nvSpPr>
+        <p:spPr>
+          <a:xfrm>
+            <a:off x="1097280" y="758952"/>
+            <a:ext cx="10058400" cy="3566160"/>
           </a:xfrm>
         </p:spPr>
         <p:txBody>
-          <a:bodyPr anchor="b"/>
+          <a:bodyPr anchor="b">
+            <a:normAutofit/>
+          </a:bodyPr>
           <a:lstStyle>
-            <a:lvl1pPr algn="ctr">
-              <a:defRPr sz="6000"/>
+            <a:lvl1pPr algn="l">
+              <a:lnSpc>
+                <a:spcPct val="85000"/>
+              </a:lnSpc>
+              <a:defRPr sz="8000" spc="-50" baseline="0">
+                <a:solidFill>
+                  <a:schemeClr val="tx1">
+                    <a:lumMod val="85000"/>
+                    <a:lumOff val="15000"/>
+                  </a:schemeClr>
+                </a:solidFill>
+              </a:defRPr>
             </a:lvl1pPr>
           </a:lstStyle>
           <a:p>
@@ -160,7 +259,7 @@
               <a:rPr lang="en-US" smtClean="0"/>
               <a:t>Click to edit Master title style</a:t>
             </a:r>
-            <a:endParaRPr lang="en-US"/>
+            <a:endParaRPr lang="en-US" dirty="0"/>
           </a:p>
         </p:txBody>
       </p:sp>
@@ -176,48 +275,55 @@
         </p:nvSpPr>
         <p:spPr>
           <a:xfrm>
-            <a:off x="1524000" y="3602038"/>
-            <a:ext cx="9144000" cy="1655762"/>
+            <a:off x="1100051" y="4455620"/>
+            <a:ext cx="10058400" cy="1143000"/>
           </a:xfrm>
         </p:spPr>
         <p:txBody>
-          <a:bodyPr/>
+          <a:bodyPr lIns="91440" rIns="91440">
+            <a:normAutofit/>
+          </a:bodyPr>
           <a:lstStyle>
-            <a:lvl1pPr marL="0" indent="0" algn="ctr">
+            <a:lvl1pPr marL="0" indent="0" algn="l">
               <a:buNone/>
-              <a:defRPr sz="2400"/>
+              <a:defRPr sz="2400" cap="all" spc="200" baseline="0">
+                <a:solidFill>
+                  <a:schemeClr val="tx2"/>
+                </a:solidFill>
+                <a:latin typeface="+mj-lt"/>
+              </a:defRPr>
             </a:lvl1pPr>
             <a:lvl2pPr marL="457200" indent="0" algn="ctr">
               <a:buNone/>
-              <a:defRPr sz="2000"/>
+              <a:defRPr sz="2400"/>
             </a:lvl2pPr>
             <a:lvl3pPr marL="914400" indent="0" algn="ctr">
               <a:buNone/>
-              <a:defRPr sz="1800"/>
+              <a:defRPr sz="2400"/>
             </a:lvl3pPr>
             <a:lvl4pPr marL="1371600" indent="0" algn="ctr">
               <a:buNone/>
-              <a:defRPr sz="1600"/>
+              <a:defRPr sz="2000"/>
             </a:lvl4pPr>
             <a:lvl5pPr marL="1828800" indent="0" algn="ctr">
               <a:buNone/>
-              <a:defRPr sz="1600"/>
+              <a:defRPr sz="2000"/>
             </a:lvl5pPr>
             <a:lvl6pPr marL="2286000" indent="0" algn="ctr">
               <a:buNone/>
-              <a:defRPr sz="1600"/>
+              <a:defRPr sz="2000"/>
             </a:lvl6pPr>
             <a:lvl7pPr marL="2743200" indent="0" algn="ctr">
               <a:buNone/>
-              <a:defRPr sz="1600"/>
+              <a:defRPr sz="2000"/>
             </a:lvl7pPr>
             <a:lvl8pPr marL="3200400" indent="0" algn="ctr">
               <a:buNone/>
-              <a:defRPr sz="1600"/>
+              <a:defRPr sz="2000"/>
             </a:lvl8pPr>
             <a:lvl9pPr marL="3657600" indent="0" algn="ctr">
               <a:buNone/>
-              <a:defRPr sz="1600"/>
+              <a:defRPr sz="2000"/>
             </a:lvl9pPr>
           </a:lstStyle>
           <a:p>
@@ -225,7 +331,7 @@
               <a:rPr lang="en-US" smtClean="0"/>
               <a:t>Click to edit Master subtitle style</a:t>
             </a:r>
-            <a:endParaRPr lang="en-US"/>
+            <a:endParaRPr lang="en-US" dirty="0"/>
           </a:p>
         </p:txBody>
       </p:sp>
@@ -246,7 +352,7 @@
           <a:p>
             <a:fld id="{2A7AF16C-B11A-BB4D-9A34-F36E9E247070}" type="datetimeFigureOut">
               <a:rPr lang="en-US" smtClean="0"/>
-              <a:t>3/3/18</a:t>
+              <a:t>3/3/2018</a:t>
             </a:fld>
             <a:endParaRPr lang="en-US"/>
           </a:p>
@@ -294,10 +400,48 @@
           </a:p>
         </p:txBody>
       </p:sp>
+      <p:cxnSp>
+        <p:nvCxnSpPr>
+          <p:cNvPr id="9" name="Straight Connector 8"/>
+          <p:cNvCxnSpPr/>
+          <p:nvPr/>
+        </p:nvCxnSpPr>
+        <p:spPr>
+          <a:xfrm>
+            <a:off x="1207658" y="4343400"/>
+            <a:ext cx="9875520" cy="0"/>
+          </a:xfrm>
+          <a:prstGeom prst="line">
+            <a:avLst/>
+          </a:prstGeom>
+          <a:ln w="6350">
+            <a:solidFill>
+              <a:schemeClr val="tx1">
+                <a:lumMod val="50000"/>
+                <a:lumOff val="50000"/>
+              </a:schemeClr>
+            </a:solidFill>
+          </a:ln>
+        </p:spPr>
+        <p:style>
+          <a:lnRef idx="1">
+            <a:schemeClr val="accent1"/>
+          </a:lnRef>
+          <a:fillRef idx="0">
+            <a:schemeClr val="accent1"/>
+          </a:fillRef>
+          <a:effectRef idx="0">
+            <a:schemeClr val="accent1"/>
+          </a:effectRef>
+          <a:fontRef idx="minor">
+            <a:schemeClr val="tx1"/>
+          </a:fontRef>
+        </p:style>
+      </p:cxnSp>
     </p:spTree>
     <p:extLst>
       <p:ext uri="{BB962C8B-B14F-4D97-AF65-F5344CB8AC3E}">
-        <p14:creationId xmlns:p14="http://schemas.microsoft.com/office/powerpoint/2010/main" val="519865895"/>
+        <p14:creationId xmlns:p14="http://schemas.microsoft.com/office/powerpoint/2010/main" val="4089628893"/>
       </p:ext>
     </p:extLst>
   </p:cSld>
@@ -343,7 +487,7 @@
               <a:rPr lang="en-US" smtClean="0"/>
               <a:t>Click to edit Master title style</a:t>
             </a:r>
-            <a:endParaRPr lang="en-US"/>
+            <a:endParaRPr lang="en-US" dirty="0"/>
           </a:p>
         </p:txBody>
       </p:sp>
@@ -359,7 +503,7 @@
         </p:nvSpPr>
         <p:spPr/>
         <p:txBody>
-          <a:bodyPr vert="eaVert"/>
+          <a:bodyPr vert="eaVert" lIns="45720" tIns="0" rIns="45720" bIns="0"/>
           <a:lstStyle/>
           <a:p>
             <a:pPr lvl="0"/>
@@ -395,7 +539,7 @@
               <a:rPr lang="en-US" smtClean="0"/>
               <a:t>Fifth level</a:t>
             </a:r>
-            <a:endParaRPr lang="en-US"/>
+            <a:endParaRPr lang="en-US" dirty="0"/>
           </a:p>
         </p:txBody>
       </p:sp>
@@ -416,7 +560,7 @@
           <a:p>
             <a:fld id="{2A7AF16C-B11A-BB4D-9A34-F36E9E247070}" type="datetimeFigureOut">
               <a:rPr lang="en-US" smtClean="0"/>
-              <a:t>3/3/18</a:t>
+              <a:t>3/3/2018</a:t>
             </a:fld>
             <a:endParaRPr lang="en-US"/>
           </a:p>
@@ -467,7 +611,7 @@
     </p:spTree>
     <p:extLst>
       <p:ext uri="{BB962C8B-B14F-4D97-AF65-F5344CB8AC3E}">
-        <p14:creationId xmlns:p14="http://schemas.microsoft.com/office/powerpoint/2010/main" val="192967130"/>
+        <p14:creationId xmlns:p14="http://schemas.microsoft.com/office/powerpoint/2010/main" val="4206092138"/>
       </p:ext>
     </p:extLst>
   </p:cSld>
@@ -478,7 +622,7 @@
 </file>
 
 <file path=ppt/slideLayouts/slideLayout11.xml><?xml version="1.0" encoding="utf-8"?>
-<p:sldLayout xmlns:a="http://schemas.openxmlformats.org/drawingml/2006/main" xmlns:r="http://schemas.openxmlformats.org/officeDocument/2006/relationships" xmlns:p="http://schemas.openxmlformats.org/presentationml/2006/main" type="vertTitleAndTx" preserve="1">
+<p:sldLayout xmlns:a="http://schemas.openxmlformats.org/drawingml/2006/main" xmlns:r="http://schemas.openxmlformats.org/officeDocument/2006/relationships" xmlns:p="http://schemas.openxmlformats.org/presentationml/2006/main" showMasterSp="0" type="vertTitleAndTx" preserve="1">
   <p:cSld name="Vertical Title and Text">
     <p:spTree>
       <p:nvGrpSpPr>
@@ -496,18 +640,94 @@
       </p:grpSpPr>
       <p:sp>
         <p:nvSpPr>
-          <p:cNvPr id="2" name="Vertical Title 1"/>
-          <p:cNvSpPr>
-            <a:spLocks noGrp="1"/>
-          </p:cNvSpPr>
-          <p:nvPr>
-            <p:ph type="title" orient="vert"/>
-          </p:nvPr>
+          <p:cNvPr id="7" name="Rectangle 6"/>
+          <p:cNvSpPr/>
+          <p:nvPr/>
         </p:nvSpPr>
         <p:spPr>
           <a:xfrm>
-            <a:off x="8724900" y="365125"/>
-            <a:ext cx="2628900" cy="5811838"/>
+            <a:off x="3175" y="6400800"/>
+            <a:ext cx="12188825" cy="457200"/>
+          </a:xfrm>
+          <a:prstGeom prst="rect">
+            <a:avLst/>
+          </a:prstGeom>
+          <a:solidFill>
+            <a:schemeClr val="accent2"/>
+          </a:solidFill>
+          <a:ln>
+            <a:noFill/>
+          </a:ln>
+        </p:spPr>
+        <p:style>
+          <a:lnRef idx="2">
+            <a:schemeClr val="accent1">
+              <a:shade val="50000"/>
+            </a:schemeClr>
+          </a:lnRef>
+          <a:fillRef idx="1">
+            <a:schemeClr val="accent1"/>
+          </a:fillRef>
+          <a:effectRef idx="0">
+            <a:schemeClr val="accent1"/>
+          </a:effectRef>
+          <a:fontRef idx="minor">
+            <a:schemeClr val="lt1"/>
+          </a:fontRef>
+        </p:style>
+      </p:sp>
+      <p:sp>
+        <p:nvSpPr>
+          <p:cNvPr id="8" name="Rectangle 7"/>
+          <p:cNvSpPr/>
+          <p:nvPr/>
+        </p:nvSpPr>
+        <p:spPr>
+          <a:xfrm>
+            <a:off x="15" y="6334316"/>
+            <a:ext cx="12188825" cy="64008"/>
+          </a:xfrm>
+          <a:prstGeom prst="rect">
+            <a:avLst/>
+          </a:prstGeom>
+          <a:solidFill>
+            <a:schemeClr val="accent1"/>
+          </a:solidFill>
+          <a:ln>
+            <a:noFill/>
+          </a:ln>
+        </p:spPr>
+        <p:style>
+          <a:lnRef idx="2">
+            <a:schemeClr val="accent1">
+              <a:shade val="50000"/>
+            </a:schemeClr>
+          </a:lnRef>
+          <a:fillRef idx="1">
+            <a:schemeClr val="accent1"/>
+          </a:fillRef>
+          <a:effectRef idx="0">
+            <a:schemeClr val="accent1"/>
+          </a:effectRef>
+          <a:fontRef idx="minor">
+            <a:schemeClr val="lt1"/>
+          </a:fontRef>
+        </p:style>
+      </p:sp>
+      <p:sp>
+        <p:nvSpPr>
+          <p:cNvPr id="2" name="Vertical Title 1"/>
+          <p:cNvSpPr>
+            <a:spLocks noGrp="1"/>
+          </p:cNvSpPr>
+          <p:nvPr>
+            <p:ph type="title" orient="vert"/>
+          </p:nvPr>
+        </p:nvSpPr>
+        <p:spPr>
+          <a:xfrm>
+            <a:off x="8724900" y="414778"/>
+            <a:ext cx="2628900" cy="5757421"/>
           </a:xfrm>
         </p:spPr>
         <p:txBody>
@@ -518,7 +738,7 @@
               <a:rPr lang="en-US" smtClean="0"/>
               <a:t>Click to edit Master title style</a:t>
             </a:r>
-            <a:endParaRPr lang="en-US"/>
+            <a:endParaRPr lang="en-US" dirty="0"/>
           </a:p>
         </p:txBody>
       </p:sp>
@@ -534,12 +754,12 @@
         </p:nvSpPr>
         <p:spPr>
           <a:xfrm>
-            <a:off x="838200" y="365125"/>
-            <a:ext cx="7734300" cy="5811838"/>
+            <a:off x="838200" y="414778"/>
+            <a:ext cx="7734300" cy="5757422"/>
           </a:xfrm>
         </p:spPr>
         <p:txBody>
-          <a:bodyPr vert="eaVert"/>
+          <a:bodyPr vert="eaVert" lIns="45720" tIns="0" rIns="45720" bIns="0"/>
           <a:lstStyle/>
           <a:p>
             <a:pPr lvl="0"/>
@@ -575,7 +795,7 @@
               <a:rPr lang="en-US" smtClean="0"/>
               <a:t>Fifth level</a:t>
             </a:r>
-            <a:endParaRPr lang="en-US"/>
+            <a:endParaRPr lang="en-US" dirty="0"/>
           </a:p>
         </p:txBody>
       </p:sp>
@@ -596,7 +816,7 @@
           <a:p>
             <a:fld id="{2A7AF16C-B11A-BB4D-9A34-F36E9E247070}" type="datetimeFigureOut">
               <a:rPr lang="en-US" smtClean="0"/>
-              <a:t>3/3/18</a:t>
+              <a:t>3/3/2018</a:t>
             </a:fld>
             <a:endParaRPr lang="en-US"/>
           </a:p>
@@ -647,7 +867,7 @@
     </p:spTree>
     <p:extLst>
       <p:ext uri="{BB962C8B-B14F-4D97-AF65-F5344CB8AC3E}">
-        <p14:creationId xmlns:p14="http://schemas.microsoft.com/office/powerpoint/2010/main" val="498246940"/>
+        <p14:creationId xmlns:p14="http://schemas.microsoft.com/office/powerpoint/2010/main" val="3108780502"/>
       </p:ext>
     </p:extLst>
   </p:cSld>
@@ -687,13 +907,17 @@
         <p:spPr/>
         <p:txBody>
           <a:bodyPr/>
-          <a:lstStyle/>
+          <a:lstStyle>
+            <a:lvl1pPr marL="0">
+              <a:defRPr/>
+            </a:lvl1pPr>
+          </a:lstStyle>
           <a:p>
             <a:r>
               <a:rPr lang="en-US" smtClean="0"/>
               <a:t>Click to edit Master title style</a:t>
             </a:r>
-            <a:endParaRPr lang="en-US"/>
+            <a:endParaRPr lang="en-US" dirty="0"/>
           </a:p>
         </p:txBody>
       </p:sp>
@@ -745,7 +969,7 @@
               <a:rPr lang="en-US" smtClean="0"/>
               <a:t>Fifth level</a:t>
             </a:r>
-            <a:endParaRPr lang="en-US"/>
+            <a:endParaRPr lang="en-US" dirty="0"/>
           </a:p>
         </p:txBody>
       </p:sp>
@@ -766,7 +990,7 @@
           <a:p>
             <a:fld id="{2A7AF16C-B11A-BB4D-9A34-F36E9E247070}" type="datetimeFigureOut">
               <a:rPr lang="en-US" smtClean="0"/>
-              <a:t>3/3/18</a:t>
+              <a:t>3/3/2018</a:t>
             </a:fld>
             <a:endParaRPr lang="en-US"/>
           </a:p>
@@ -817,7 +1041,7 @@
     </p:spTree>
     <p:extLst>
       <p:ext uri="{BB962C8B-B14F-4D97-AF65-F5344CB8AC3E}">
-        <p14:creationId xmlns:p14="http://schemas.microsoft.com/office/powerpoint/2010/main" val="1328584199"/>
+        <p14:creationId xmlns:p14="http://schemas.microsoft.com/office/powerpoint/2010/main" val="2761442858"/>
       </p:ext>
     </p:extLst>
   </p:cSld>
@@ -828,8 +1052,16 @@
 </file>
 
 <file path=ppt/slideLayouts/slideLayout3.xml><?xml version="1.0" encoding="utf-8"?>
-<p:sldLayout xmlns:a="http://schemas.openxmlformats.org/drawingml/2006/main" xmlns:r="http://schemas.openxmlformats.org/officeDocument/2006/relationships" xmlns:p="http://schemas.openxmlformats.org/presentationml/2006/main" type="secHead" preserve="1">
+<p:sldLayout xmlns:a="http://schemas.openxmlformats.org/drawingml/2006/main" xmlns:r="http://schemas.openxmlformats.org/officeDocument/2006/relationships" xmlns:p="http://schemas.openxmlformats.org/presentationml/2006/main" showMasterSp="0" type="secHead" preserve="1">
   <p:cSld name="Section Header">
+    <p:bg>
+      <p:bgPr>
+        <a:solidFill>
+          <a:schemeClr val="bg1"/>
+        </a:solidFill>
+        <a:effectLst/>
+      </p:bgPr>
+    </p:bg>
     <p:spTree>
       <p:nvGrpSpPr>
         <p:cNvPr id="1" name=""/>
@@ -846,68 +1078,157 @@
       </p:grpSpPr>
       <p:sp>
         <p:nvSpPr>
-          <p:cNvPr id="2" name="Title 1"/>
-          <p:cNvSpPr>
-            <a:spLocks noGrp="1"/>
-          </p:cNvSpPr>
-          <p:nvPr>
-            <p:ph type="title"/>
-          </p:nvPr>
+          <p:cNvPr id="7" name="Rectangle 6"/>
+          <p:cNvSpPr/>
+          <p:nvPr/>
         </p:nvSpPr>
         <p:spPr>
           <a:xfrm>
-            <a:off x="831850" y="1709738"/>
-            <a:ext cx="10515600" cy="2852737"/>
+            <a:off x="3175" y="6400800"/>
+            <a:ext cx="12188825" cy="457200"/>
+          </a:xfrm>
+          <a:prstGeom prst="rect">
+            <a:avLst/>
+          </a:prstGeom>
+          <a:solidFill>
+            <a:schemeClr val="accent2"/>
+          </a:solidFill>
+          <a:ln>
+            <a:noFill/>
+          </a:ln>
+        </p:spPr>
+        <p:style>
+          <a:lnRef idx="2">
+            <a:schemeClr val="accent1">
+              <a:shade val="50000"/>
+            </a:schemeClr>
+          </a:lnRef>
+          <a:fillRef idx="1">
+            <a:schemeClr val="accent1"/>
+          </a:fillRef>
+          <a:effectRef idx="0">
+            <a:schemeClr val="accent1"/>
+          </a:effectRef>
+          <a:fontRef idx="minor">
+            <a:schemeClr val="lt1"/>
+          </a:fontRef>
+        </p:style>
+      </p:sp>
+      <p:sp>
+        <p:nvSpPr>
+          <p:cNvPr id="8" name="Rectangle 7"/>
+          <p:cNvSpPr/>
+          <p:nvPr/>
+        </p:nvSpPr>
+        <p:spPr>
+          <a:xfrm>
+            <a:off x="15" y="6334316"/>
+            <a:ext cx="12188825" cy="64008"/>
+          </a:xfrm>
+          <a:prstGeom prst="rect">
+            <a:avLst/>
+          </a:prstGeom>
+          <a:solidFill>
+            <a:schemeClr val="accent1"/>
+          </a:solidFill>
+          <a:ln>
+            <a:noFill/>
+          </a:ln>
+        </p:spPr>
+        <p:style>
+          <a:lnRef idx="2">
+            <a:schemeClr val="accent1">
+              <a:shade val="50000"/>
+            </a:schemeClr>
+          </a:lnRef>
+          <a:fillRef idx="1">
+            <a:schemeClr val="accent1"/>
+          </a:fillRef>
+          <a:effectRef idx="0">
+            <a:schemeClr val="accent1"/>
+          </a:effectRef>
+          <a:fontRef idx="minor">
+            <a:schemeClr val="lt1"/>
+          </a:fontRef>
+        </p:style>
+      </p:sp>
+      <p:sp>
+        <p:nvSpPr>
+          <p:cNvPr id="2" name="Title 1"/>
+          <p:cNvSpPr>
+            <a:spLocks noGrp="1"/>
+          </p:cNvSpPr>
+          <p:nvPr>
+            <p:ph type="title"/>
+          </p:nvPr>
+        </p:nvSpPr>
+        <p:spPr>
+          <a:xfrm>
+            <a:off x="1097280" y="758952"/>
+            <a:ext cx="10058400" cy="3566160"/>
           </a:xfrm>
         </p:spPr>
         <p:txBody>
-          <a:bodyPr anchor="b"/>
+          <a:bodyPr anchor="b" anchorCtr="0">
+            <a:normAutofit/>
+          </a:bodyPr>
           <a:lstStyle>
             <a:lvl1pPr>
-              <a:defRPr sz="6000"/>
-            </a:lvl1pPr>
-          </a:lstStyle>
-          <a:p>
-            <a:r>
-              <a:rPr lang="en-US" smtClean="0"/>
-              <a:t>Click to edit Master title style</a:t>
-            </a:r>
-            <a:endParaRPr lang="en-US"/>
-          </a:p>
-        </p:txBody>
-      </p:sp>
-      <p:sp>
-        <p:nvSpPr>
-          <p:cNvPr id="3" name="Text Placeholder 2"/>
-          <p:cNvSpPr>
-            <a:spLocks noGrp="1"/>
-          </p:cNvSpPr>
-          <p:nvPr>
-            <p:ph type="body" idx="1"/>
-          </p:nvPr>
-        </p:nvSpPr>
-        <p:spPr>
-          <a:xfrm>
-            <a:off x="831850" y="4589463"/>
-            <a:ext cx="10515600" cy="1500187"/>
-          </a:xfrm>
-        </p:spPr>
-        <p:txBody>
-          <a:bodyPr/>
-          <a:lstStyle>
-            <a:lvl1pPr marL="0" indent="0">
-              <a:buNone/>
-              <a:defRPr sz="2400">
+              <a:lnSpc>
+                <a:spcPct val="85000"/>
+              </a:lnSpc>
+              <a:defRPr sz="8000" b="0">
                 <a:solidFill>
                   <a:schemeClr val="tx1">
-                    <a:tint val="75000"/>
+                    <a:lumMod val="85000"/>
+                    <a:lumOff val="15000"/>
                   </a:schemeClr>
                 </a:solidFill>
               </a:defRPr>
             </a:lvl1pPr>
+          </a:lstStyle>
+          <a:p>
+            <a:r>
+              <a:rPr lang="en-US" smtClean="0"/>
+              <a:t>Click to edit Master title style</a:t>
+            </a:r>
+            <a:endParaRPr lang="en-US" dirty="0"/>
+          </a:p>
+        </p:txBody>
+      </p:sp>
+      <p:sp>
+        <p:nvSpPr>
+          <p:cNvPr id="3" name="Text Placeholder 2"/>
+          <p:cNvSpPr>
+            <a:spLocks noGrp="1"/>
+          </p:cNvSpPr>
+          <p:nvPr>
+            <p:ph type="body" idx="1"/>
+          </p:nvPr>
+        </p:nvSpPr>
+        <p:spPr>
+          <a:xfrm>
+            <a:off x="1097280" y="4453128"/>
+            <a:ext cx="10058400" cy="1143000"/>
+          </a:xfrm>
+        </p:spPr>
+        <p:txBody>
+          <a:bodyPr lIns="91440" rIns="91440" anchor="t" anchorCtr="0">
+            <a:normAutofit/>
+          </a:bodyPr>
+          <a:lstStyle>
+            <a:lvl1pPr marL="0" indent="0">
+              <a:buNone/>
+              <a:defRPr sz="2400" cap="all" spc="200" baseline="0">
+                <a:solidFill>
+                  <a:schemeClr val="tx2"/>
+                </a:solidFill>
+                <a:latin typeface="+mj-lt"/>
+              </a:defRPr>
+            </a:lvl1pPr>
             <a:lvl2pPr marL="457200" indent="0">
               <a:buNone/>
-              <a:defRPr sz="2000">
+              <a:defRPr sz="1800">
                 <a:solidFill>
                   <a:schemeClr val="tx1">
                     <a:tint val="75000"/>
@@ -917,7 +1238,7 @@
             </a:lvl2pPr>
             <a:lvl3pPr marL="914400" indent="0">
               <a:buNone/>
-              <a:defRPr sz="1800">
+              <a:defRPr sz="1600">
                 <a:solidFill>
                   <a:schemeClr val="tx1">
                     <a:tint val="75000"/>
@@ -927,7 +1248,7 @@
             </a:lvl3pPr>
             <a:lvl4pPr marL="1371600" indent="0">
               <a:buNone/>
-              <a:defRPr sz="1600">
+              <a:defRPr sz="1400">
                 <a:solidFill>
                   <a:schemeClr val="tx1">
                     <a:tint val="75000"/>
@@ -937,7 +1258,7 @@
             </a:lvl4pPr>
             <a:lvl5pPr marL="1828800" indent="0">
               <a:buNone/>
-              <a:defRPr sz="1600">
+              <a:defRPr sz="1400">
                 <a:solidFill>
                   <a:schemeClr val="tx1">
                     <a:tint val="75000"/>
@@ -947,7 +1268,7 @@
             </a:lvl5pPr>
             <a:lvl6pPr marL="2286000" indent="0">
               <a:buNone/>
-              <a:defRPr sz="1600">
+              <a:defRPr sz="1400">
                 <a:solidFill>
                   <a:schemeClr val="tx1">
                     <a:tint val="75000"/>
@@ -957,7 +1278,7 @@
             </a:lvl6pPr>
             <a:lvl7pPr marL="2743200" indent="0">
               <a:buNone/>
-              <a:defRPr sz="1600">
+              <a:defRPr sz="1400">
                 <a:solidFill>
                   <a:schemeClr val="tx1">
                     <a:tint val="75000"/>
@@ -967,7 +1288,7 @@
             </a:lvl7pPr>
             <a:lvl8pPr marL="3200400" indent="0">
               <a:buNone/>
-              <a:defRPr sz="1600">
+              <a:defRPr sz="1400">
                 <a:solidFill>
                   <a:schemeClr val="tx1">
                     <a:tint val="75000"/>
@@ -977,7 +1298,7 @@
             </a:lvl8pPr>
             <a:lvl9pPr marL="3657600" indent="0">
               <a:buNone/>
-              <a:defRPr sz="1600">
+              <a:defRPr sz="1400">
                 <a:solidFill>
                   <a:schemeClr val="tx1">
                     <a:tint val="75000"/>
@@ -1012,7 +1333,7 @@
           <a:p>
             <a:fld id="{2A7AF16C-B11A-BB4D-9A34-F36E9E247070}" type="datetimeFigureOut">
               <a:rPr lang="en-US" smtClean="0"/>
-              <a:t>3/3/18</a:t>
+              <a:t>3/3/2018</a:t>
             </a:fld>
             <a:endParaRPr lang="en-US"/>
           </a:p>
@@ -1060,10 +1381,48 @@
           </a:p>
         </p:txBody>
       </p:sp>
+      <p:cxnSp>
+        <p:nvCxnSpPr>
+          <p:cNvPr id="9" name="Straight Connector 8"/>
+          <p:cNvCxnSpPr/>
+          <p:nvPr/>
+        </p:nvCxnSpPr>
+        <p:spPr>
+          <a:xfrm>
+            <a:off x="1207658" y="4343400"/>
+            <a:ext cx="9875520" cy="0"/>
+          </a:xfrm>
+          <a:prstGeom prst="line">
+            <a:avLst/>
+          </a:prstGeom>
+          <a:ln w="6350">
+            <a:solidFill>
+              <a:schemeClr val="tx1">
+                <a:lumMod val="50000"/>
+                <a:lumOff val="50000"/>
+              </a:schemeClr>
+            </a:solidFill>
+          </a:ln>
+        </p:spPr>
+        <p:style>
+          <a:lnRef idx="1">
+            <a:schemeClr val="accent1"/>
+          </a:lnRef>
+          <a:fillRef idx="0">
+            <a:schemeClr val="accent1"/>
+          </a:fillRef>
+          <a:effectRef idx="0">
+            <a:schemeClr val="accent1"/>
+          </a:effectRef>
+          <a:fontRef idx="minor">
+            <a:schemeClr val="tx1"/>
+          </a:fontRef>
+        </p:style>
+      </p:cxnSp>
     </p:spTree>
     <p:extLst>
       <p:ext uri="{BB962C8B-B14F-4D97-AF65-F5344CB8AC3E}">
-        <p14:creationId xmlns:p14="http://schemas.microsoft.com/office/powerpoint/2010/main" val="2127154734"/>
+        <p14:creationId xmlns:p14="http://schemas.microsoft.com/office/powerpoint/2010/main" val="2849970545"/>
       </p:ext>
     </p:extLst>
   </p:cSld>
@@ -1092,7 +1451,7 @@
       </p:grpSpPr>
       <p:sp>
         <p:nvSpPr>
-          <p:cNvPr id="2" name="Title 1"/>
+          <p:cNvPr id="8" name="Title 7"/>
           <p:cNvSpPr>
             <a:spLocks noGrp="1"/>
           </p:cNvSpPr>
@@ -1100,7 +1459,12 @@
             <p:ph type="title"/>
           </p:nvPr>
         </p:nvSpPr>
-        <p:spPr/>
+        <p:spPr>
+          <a:xfrm>
+            <a:off x="1097280" y="286603"/>
+            <a:ext cx="10058400" cy="1450757"/>
+          </a:xfrm>
+        </p:spPr>
         <p:txBody>
           <a:bodyPr/>
           <a:lstStyle/>
@@ -1109,7 +1473,7 @@
               <a:rPr lang="en-US" smtClean="0"/>
               <a:t>Click to edit Master title style</a:t>
             </a:r>
-            <a:endParaRPr lang="en-US"/>
+            <a:endParaRPr lang="en-US" dirty="0"/>
           </a:p>
         </p:txBody>
       </p:sp>
@@ -1125,8 +1489,8 @@
         </p:nvSpPr>
         <p:spPr>
           <a:xfrm>
-            <a:off x="838200" y="1825625"/>
-            <a:ext cx="5181600" cy="4351338"/>
+            <a:off x="1097279" y="1845734"/>
+            <a:ext cx="4937760" cy="4023360"/>
           </a:xfrm>
         </p:spPr>
         <p:txBody>
@@ -1166,7 +1530,7 @@
               <a:rPr lang="en-US" smtClean="0"/>
               <a:t>Fifth level</a:t>
             </a:r>
-            <a:endParaRPr lang="en-US"/>
+            <a:endParaRPr lang="en-US" dirty="0"/>
           </a:p>
         </p:txBody>
       </p:sp>
@@ -1182,8 +1546,8 @@
         </p:nvSpPr>
         <p:spPr>
           <a:xfrm>
-            <a:off x="6172200" y="1825625"/>
-            <a:ext cx="5181600" cy="4351338"/>
+            <a:off x="6217920" y="1845735"/>
+            <a:ext cx="4937760" cy="4023360"/>
           </a:xfrm>
         </p:spPr>
         <p:txBody>
@@ -1223,7 +1587,7 @@
               <a:rPr lang="en-US" smtClean="0"/>
               <a:t>Fifth level</a:t>
             </a:r>
-            <a:endParaRPr lang="en-US"/>
+            <a:endParaRPr lang="en-US" dirty="0"/>
           </a:p>
         </p:txBody>
       </p:sp>
@@ -1244,7 +1608,7 @@
           <a:p>
             <a:fld id="{2A7AF16C-B11A-BB4D-9A34-F36E9E247070}" type="datetimeFigureOut">
               <a:rPr lang="en-US" smtClean="0"/>
-              <a:t>3/3/18</a:t>
+              <a:t>3/3/2018</a:t>
             </a:fld>
             <a:endParaRPr lang="en-US"/>
           </a:p>
@@ -1295,7 +1659,7 @@
     </p:spTree>
     <p:extLst>
       <p:ext uri="{BB962C8B-B14F-4D97-AF65-F5344CB8AC3E}">
-        <p14:creationId xmlns:p14="http://schemas.microsoft.com/office/powerpoint/2010/main" val="1929342729"/>
+        <p14:creationId xmlns:p14="http://schemas.microsoft.com/office/powerpoint/2010/main" val="4015137066"/>
       </p:ext>
     </p:extLst>
   </p:cSld>
@@ -1324,7 +1688,7 @@
       </p:grpSpPr>
       <p:sp>
         <p:nvSpPr>
-          <p:cNvPr id="2" name="Title 1"/>
+          <p:cNvPr id="10" name="Title 9"/>
           <p:cNvSpPr>
             <a:spLocks noGrp="1"/>
           </p:cNvSpPr>
@@ -1334,8 +1698,8 @@
         </p:nvSpPr>
         <p:spPr>
           <a:xfrm>
-            <a:off x="839788" y="365125"/>
-            <a:ext cx="10515600" cy="1325563"/>
+            <a:off x="1097280" y="286603"/>
+            <a:ext cx="10058400" cy="1450757"/>
           </a:xfrm>
         </p:spPr>
         <p:txBody>
@@ -1346,7 +1710,7 @@
               <a:rPr lang="en-US" smtClean="0"/>
               <a:t>Click to edit Master title style</a:t>
             </a:r>
-            <a:endParaRPr lang="en-US"/>
+            <a:endParaRPr lang="en-US" dirty="0"/>
           </a:p>
         </p:txBody>
       </p:sp>
@@ -1362,16 +1726,22 @@
         </p:nvSpPr>
         <p:spPr>
           <a:xfrm>
-            <a:off x="839788" y="1681163"/>
-            <a:ext cx="5157787" cy="823912"/>
+            <a:off x="1097280" y="1846052"/>
+            <a:ext cx="4937760" cy="736282"/>
           </a:xfrm>
         </p:spPr>
         <p:txBody>
-          <a:bodyPr anchor="b"/>
+          <a:bodyPr lIns="91440" rIns="91440" anchor="ctr">
+            <a:normAutofit/>
+          </a:bodyPr>
           <a:lstStyle>
             <a:lvl1pPr marL="0" indent="0">
               <a:buNone/>
-              <a:defRPr sz="2400" b="1"/>
+              <a:defRPr sz="2000" b="0" cap="all" baseline="0">
+                <a:solidFill>
+                  <a:schemeClr val="tx2"/>
+                </a:solidFill>
+              </a:defRPr>
             </a:lvl1pPr>
             <a:lvl2pPr marL="457200" indent="0">
               <a:buNone/>
@@ -1427,8 +1797,8 @@
         </p:nvSpPr>
         <p:spPr>
           <a:xfrm>
-            <a:off x="839788" y="2505075"/>
-            <a:ext cx="5157787" cy="3684588"/>
+            <a:off x="1097280" y="2582334"/>
+            <a:ext cx="4937760" cy="3378200"/>
           </a:xfrm>
         </p:spPr>
         <p:txBody>
@@ -1468,7 +1838,7 @@
               <a:rPr lang="en-US" smtClean="0"/>
               <a:t>Fifth level</a:t>
             </a:r>
-            <a:endParaRPr lang="en-US"/>
+            <a:endParaRPr lang="en-US" dirty="0"/>
           </a:p>
         </p:txBody>
       </p:sp>
@@ -1484,16 +1854,22 @@
         </p:nvSpPr>
         <p:spPr>
           <a:xfrm>
-            <a:off x="6172200" y="1681163"/>
-            <a:ext cx="5183188" cy="823912"/>
+            <a:off x="6217920" y="1846052"/>
+            <a:ext cx="4937760" cy="736282"/>
           </a:xfrm>
         </p:spPr>
         <p:txBody>
-          <a:bodyPr anchor="b"/>
+          <a:bodyPr lIns="91440" rIns="91440" anchor="ctr">
+            <a:normAutofit/>
+          </a:bodyPr>
           <a:lstStyle>
             <a:lvl1pPr marL="0" indent="0">
               <a:buNone/>
-              <a:defRPr sz="2400" b="1"/>
+              <a:defRPr sz="2000" b="0" cap="all" baseline="0">
+                <a:solidFill>
+                  <a:schemeClr val="tx2"/>
+                </a:solidFill>
+              </a:defRPr>
             </a:lvl1pPr>
             <a:lvl2pPr marL="457200" indent="0">
               <a:buNone/>
@@ -1549,8 +1925,8 @@
         </p:nvSpPr>
         <p:spPr>
           <a:xfrm>
-            <a:off x="6172200" y="2505075"/>
-            <a:ext cx="5183188" cy="3684588"/>
+            <a:off x="6217920" y="2582334"/>
+            <a:ext cx="4937760" cy="3378200"/>
           </a:xfrm>
         </p:spPr>
         <p:txBody>
@@ -1590,7 +1966,7 @@
               <a:rPr lang="en-US" smtClean="0"/>
               <a:t>Fifth level</a:t>
             </a:r>
-            <a:endParaRPr lang="en-US"/>
+            <a:endParaRPr lang="en-US" dirty="0"/>
           </a:p>
         </p:txBody>
       </p:sp>
@@ -1611,7 +1987,7 @@
           <a:p>
             <a:fld id="{2A7AF16C-B11A-BB4D-9A34-F36E9E247070}" type="datetimeFigureOut">
               <a:rPr lang="en-US" smtClean="0"/>
-              <a:t>3/3/18</a:t>
+              <a:t>3/3/2018</a:t>
             </a:fld>
             <a:endParaRPr lang="en-US"/>
           </a:p>
@@ -1662,7 +2038,7 @@
     </p:spTree>
     <p:extLst>
       <p:ext uri="{BB962C8B-B14F-4D97-AF65-F5344CB8AC3E}">
-        <p14:creationId xmlns:p14="http://schemas.microsoft.com/office/powerpoint/2010/main" val="1607660250"/>
+        <p14:creationId xmlns:p14="http://schemas.microsoft.com/office/powerpoint/2010/main" val="2371470446"/>
       </p:ext>
     </p:extLst>
   </p:cSld>
@@ -1708,7 +2084,7 @@
               <a:rPr lang="en-US" smtClean="0"/>
               <a:t>Click to edit Master title style</a:t>
             </a:r>
-            <a:endParaRPr lang="en-US"/>
+            <a:endParaRPr lang="en-US" dirty="0"/>
           </a:p>
         </p:txBody>
       </p:sp>
@@ -1729,7 +2105,7 @@
           <a:p>
             <a:fld id="{2A7AF16C-B11A-BB4D-9A34-F36E9E247070}" type="datetimeFigureOut">
               <a:rPr lang="en-US" smtClean="0"/>
-              <a:t>3/3/18</a:t>
+              <a:t>3/3/2018</a:t>
             </a:fld>
             <a:endParaRPr lang="en-US"/>
           </a:p>
@@ -1780,7 +2156,7 @@
     </p:spTree>
     <p:extLst>
       <p:ext uri="{BB962C8B-B14F-4D97-AF65-F5344CB8AC3E}">
-        <p14:creationId xmlns:p14="http://schemas.microsoft.com/office/powerpoint/2010/main" val="306575196"/>
+        <p14:creationId xmlns:p14="http://schemas.microsoft.com/office/powerpoint/2010/main" val="1187558734"/>
       </p:ext>
     </p:extLst>
   </p:cSld>
@@ -1791,7 +2167,7 @@
 </file>
 
 <file path=ppt/slideLayouts/slideLayout7.xml><?xml version="1.0" encoding="utf-8"?>
-<p:sldLayout xmlns:a="http://schemas.openxmlformats.org/drawingml/2006/main" xmlns:r="http://schemas.openxmlformats.org/officeDocument/2006/relationships" xmlns:p="http://schemas.openxmlformats.org/presentationml/2006/main" type="blank" preserve="1">
+<p:sldLayout xmlns:a="http://schemas.openxmlformats.org/drawingml/2006/main" xmlns:r="http://schemas.openxmlformats.org/officeDocument/2006/relationships" xmlns:p="http://schemas.openxmlformats.org/presentationml/2006/main" showMasterSp="0" type="blank" preserve="1">
   <p:cSld name="Blank">
     <p:spTree>
       <p:nvGrpSpPr>
@@ -1809,7 +2185,83 @@
       </p:grpSpPr>
       <p:sp>
         <p:nvSpPr>
-          <p:cNvPr id="2" name="Date Placeholder 1"/>
+          <p:cNvPr id="5" name="Rectangle 4"/>
+          <p:cNvSpPr/>
+          <p:nvPr/>
+        </p:nvSpPr>
+        <p:spPr>
+          <a:xfrm>
+            <a:off x="3175" y="6400800"/>
+            <a:ext cx="12188825" cy="457200"/>
+          </a:xfrm>
+          <a:prstGeom prst="rect">
+            <a:avLst/>
+          </a:prstGeom>
+          <a:solidFill>
+            <a:schemeClr val="accent2"/>
+          </a:solidFill>
+          <a:ln>
+            <a:noFill/>
+          </a:ln>
+        </p:spPr>
+        <p:style>
+          <a:lnRef idx="2">
+            <a:schemeClr val="accent1">
+              <a:shade val="50000"/>
+            </a:schemeClr>
+          </a:lnRef>
+          <a:fillRef idx="1">
+            <a:schemeClr val="accent1"/>
+          </a:fillRef>
+          <a:effectRef idx="0">
+            <a:schemeClr val="accent1"/>
+          </a:effectRef>
+          <a:fontRef idx="minor">
+            <a:schemeClr val="lt1"/>
+          </a:fontRef>
+        </p:style>
+      </p:sp>
+      <p:sp>
+        <p:nvSpPr>
+          <p:cNvPr id="6" name="Rectangle 5"/>
+          <p:cNvSpPr/>
+          <p:nvPr/>
+        </p:nvSpPr>
+        <p:spPr>
+          <a:xfrm>
+            <a:off x="15" y="6334316"/>
+            <a:ext cx="12188825" cy="64008"/>
+          </a:xfrm>
+          <a:prstGeom prst="rect">
+            <a:avLst/>
+          </a:prstGeom>
+          <a:solidFill>
+            <a:schemeClr val="accent1"/>
+          </a:solidFill>
+          <a:ln>
+            <a:noFill/>
+          </a:ln>
+        </p:spPr>
+        <p:style>
+          <a:lnRef idx="2">
+            <a:schemeClr val="accent1">
+              <a:shade val="50000"/>
+            </a:schemeClr>
+          </a:lnRef>
+          <a:fillRef idx="1">
+            <a:schemeClr val="accent1"/>
+          </a:fillRef>
+          <a:effectRef idx="0">
+            <a:schemeClr val="accent1"/>
+          </a:effectRef>
+          <a:fontRef idx="minor">
+            <a:schemeClr val="lt1"/>
+          </a:fontRef>
+        </p:style>
+      </p:sp>
+      <p:sp>
+        <p:nvSpPr>
+          <p:cNvPr id="7" name="Date Placeholder 6"/>
           <p:cNvSpPr>
             <a:spLocks noGrp="1"/>
           </p:cNvSpPr>
@@ -1824,7 +2276,7 @@
           <a:p>
             <a:fld id="{2A7AF16C-B11A-BB4D-9A34-F36E9E247070}" type="datetimeFigureOut">
               <a:rPr lang="en-US" smtClean="0"/>
-              <a:t>3/3/18</a:t>
+              <a:t>3/3/2018</a:t>
             </a:fld>
             <a:endParaRPr lang="en-US"/>
           </a:p>
@@ -1832,7 +2284,7 @@
       </p:sp>
       <p:sp>
         <p:nvSpPr>
-          <p:cNvPr id="3" name="Footer Placeholder 2"/>
+          <p:cNvPr id="8" name="Footer Placeholder 7"/>
           <p:cNvSpPr>
             <a:spLocks noGrp="1"/>
           </p:cNvSpPr>
@@ -1843,7 +2295,15 @@
         <p:spPr/>
         <p:txBody>
           <a:bodyPr/>
-          <a:lstStyle/>
+          <a:lstStyle>
+            <a:lvl1pPr>
+              <a:defRPr>
+                <a:solidFill>
+                  <a:srgbClr val="FFFFFF"/>
+                </a:solidFill>
+              </a:defRPr>
+            </a:lvl1pPr>
+          </a:lstStyle>
           <a:p>
             <a:endParaRPr lang="en-US"/>
           </a:p>
@@ -1851,7 +2311,7 @@
       </p:sp>
       <p:sp>
         <p:nvSpPr>
-          <p:cNvPr id="4" name="Slide Number Placeholder 3"/>
+          <p:cNvPr id="9" name="Slide Number Placeholder 8"/>
           <p:cNvSpPr>
             <a:spLocks noGrp="1"/>
           </p:cNvSpPr>
@@ -1875,7 +2335,7 @@
     </p:spTree>
     <p:extLst>
       <p:ext uri="{BB962C8B-B14F-4D97-AF65-F5344CB8AC3E}">
-        <p14:creationId xmlns:p14="http://schemas.microsoft.com/office/powerpoint/2010/main" val="796050019"/>
+        <p14:creationId xmlns:p14="http://schemas.microsoft.com/office/powerpoint/2010/main" val="733101388"/>
       </p:ext>
     </p:extLst>
   </p:cSld>
@@ -1886,7 +2346,7 @@
 </file>
 
 <file path=ppt/slideLayouts/slideLayout8.xml><?xml version="1.0" encoding="utf-8"?>
-<p:sldLayout xmlns:a="http://schemas.openxmlformats.org/drawingml/2006/main" xmlns:r="http://schemas.openxmlformats.org/officeDocument/2006/relationships" xmlns:p="http://schemas.openxmlformats.org/presentationml/2006/main" type="objTx" preserve="1">
+<p:sldLayout xmlns:a="http://schemas.openxmlformats.org/drawingml/2006/main" xmlns:r="http://schemas.openxmlformats.org/officeDocument/2006/relationships" xmlns:p="http://schemas.openxmlformats.org/presentationml/2006/main" showMasterSp="0" type="objTx" preserve="1">
   <p:cSld name="Content with Caption">
     <p:spTree>
       <p:nvGrpSpPr>
@@ -1904,25 +2364,107 @@
       </p:grpSpPr>
       <p:sp>
         <p:nvSpPr>
-          <p:cNvPr id="2" name="Title 1"/>
-          <p:cNvSpPr>
-            <a:spLocks noGrp="1"/>
-          </p:cNvSpPr>
-          <p:nvPr>
-            <p:ph type="title"/>
-          </p:nvPr>
+          <p:cNvPr id="8" name="Rectangle 7"/>
+          <p:cNvSpPr/>
+          <p:nvPr/>
         </p:nvSpPr>
         <p:spPr>
           <a:xfrm>
-            <a:off x="839788" y="457200"/>
-            <a:ext cx="3932237" cy="1600200"/>
+            <a:off x="16" y="0"/>
+            <a:ext cx="4050791" cy="6858000"/>
+          </a:xfrm>
+          <a:prstGeom prst="rect">
+            <a:avLst/>
+          </a:prstGeom>
+          <a:solidFill>
+            <a:schemeClr val="accent2"/>
+          </a:solidFill>
+          <a:ln>
+            <a:noFill/>
+          </a:ln>
+        </p:spPr>
+        <p:style>
+          <a:lnRef idx="2">
+            <a:schemeClr val="accent1">
+              <a:shade val="50000"/>
+            </a:schemeClr>
+          </a:lnRef>
+          <a:fillRef idx="1">
+            <a:schemeClr val="accent1"/>
+          </a:fillRef>
+          <a:effectRef idx="0">
+            <a:schemeClr val="accent1"/>
+          </a:effectRef>
+          <a:fontRef idx="minor">
+            <a:schemeClr val="lt1"/>
+          </a:fontRef>
+        </p:style>
+      </p:sp>
+      <p:sp>
+        <p:nvSpPr>
+          <p:cNvPr id="9" name="Rectangle 8"/>
+          <p:cNvSpPr/>
+          <p:nvPr/>
+        </p:nvSpPr>
+        <p:spPr>
+          <a:xfrm>
+            <a:off x="4040071" y="0"/>
+            <a:ext cx="64008" cy="6858000"/>
+          </a:xfrm>
+          <a:prstGeom prst="rect">
+            <a:avLst/>
+          </a:prstGeom>
+          <a:solidFill>
+            <a:schemeClr val="accent1"/>
+          </a:solidFill>
+          <a:ln>
+            <a:noFill/>
+          </a:ln>
+        </p:spPr>
+        <p:style>
+          <a:lnRef idx="2">
+            <a:schemeClr val="accent1">
+              <a:shade val="50000"/>
+            </a:schemeClr>
+          </a:lnRef>
+          <a:fillRef idx="1">
+            <a:schemeClr val="accent1"/>
+          </a:fillRef>
+          <a:effectRef idx="0">
+            <a:schemeClr val="accent1"/>
+          </a:effectRef>
+          <a:fontRef idx="minor">
+            <a:schemeClr val="lt1"/>
+          </a:fontRef>
+        </p:style>
+      </p:sp>
+      <p:sp>
+        <p:nvSpPr>
+          <p:cNvPr id="2" name="Title 1"/>
+          <p:cNvSpPr>
+            <a:spLocks noGrp="1"/>
+          </p:cNvSpPr>
+          <p:nvPr>
+            <p:ph type="title"/>
+          </p:nvPr>
+        </p:nvSpPr>
+        <p:spPr>
+          <a:xfrm>
+            <a:off x="457200" y="594359"/>
+            <a:ext cx="3200400" cy="2286000"/>
           </a:xfrm>
         </p:spPr>
         <p:txBody>
-          <a:bodyPr anchor="b"/>
+          <a:bodyPr anchor="b">
+            <a:normAutofit/>
+          </a:bodyPr>
           <a:lstStyle>
             <a:lvl1pPr>
-              <a:defRPr sz="3200"/>
+              <a:defRPr sz="3600" b="0">
+                <a:solidFill>
+                  <a:srgbClr val="FFFFFF"/>
+                </a:solidFill>
+              </a:defRPr>
             </a:lvl1pPr>
           </a:lstStyle>
           <a:p>
@@ -1930,7 +2472,7 @@
               <a:rPr lang="en-US" smtClean="0"/>
               <a:t>Click to edit Master title style</a:t>
             </a:r>
-            <a:endParaRPr lang="en-US"/>
+            <a:endParaRPr lang="en-US" dirty="0"/>
           </a:p>
         </p:txBody>
       </p:sp>
@@ -1946,200 +2488,208 @@
         </p:nvSpPr>
         <p:spPr>
           <a:xfrm>
-            <a:off x="5183188" y="987425"/>
-            <a:ext cx="6172200" cy="4873625"/>
+            <a:off x="4800600" y="731520"/>
+            <a:ext cx="6492240" cy="5257800"/>
           </a:xfrm>
         </p:spPr>
+        <p:txBody>
+          <a:bodyPr/>
+          <a:lstStyle/>
+          <a:p>
+            <a:pPr lvl="0"/>
+            <a:r>
+              <a:rPr lang="en-US" smtClean="0"/>
+              <a:t>Click to edit Master text styles</a:t>
+            </a:r>
+          </a:p>
+          <a:p>
+            <a:pPr lvl="1"/>
+            <a:r>
+              <a:rPr lang="en-US" smtClean="0"/>
+              <a:t>Second level</a:t>
+            </a:r>
+          </a:p>
+          <a:p>
+            <a:pPr lvl="2"/>
+            <a:r>
+              <a:rPr lang="en-US" smtClean="0"/>
+              <a:t>Third level</a:t>
+            </a:r>
+          </a:p>
+          <a:p>
+            <a:pPr lvl="3"/>
+            <a:r>
+              <a:rPr lang="en-US" smtClean="0"/>
+              <a:t>Fourth level</a:t>
+            </a:r>
+          </a:p>
+          <a:p>
+            <a:pPr lvl="4"/>
+            <a:r>
+              <a:rPr lang="en-US" smtClean="0"/>
+              <a:t>Fifth level</a:t>
+            </a:r>
+            <a:endParaRPr lang="en-US" dirty="0"/>
+          </a:p>
+        </p:txBody>
+      </p:sp>
+      <p:sp>
+        <p:nvSpPr>
+          <p:cNvPr id="4" name="Text Placeholder 3"/>
+          <p:cNvSpPr>
+            <a:spLocks noGrp="1"/>
+          </p:cNvSpPr>
+          <p:nvPr>
+            <p:ph type="body" sz="half" idx="2"/>
+          </p:nvPr>
+        </p:nvSpPr>
+        <p:spPr>
+          <a:xfrm>
+            <a:off x="457200" y="2926080"/>
+            <a:ext cx="3200400" cy="3379124"/>
+          </a:xfrm>
+        </p:spPr>
+        <p:txBody>
+          <a:bodyPr lIns="91440" rIns="91440">
+            <a:normAutofit/>
+          </a:bodyPr>
+          <a:lstStyle>
+            <a:lvl1pPr marL="0" indent="0">
+              <a:buNone/>
+              <a:defRPr sz="1500">
+                <a:solidFill>
+                  <a:srgbClr val="FFFFFF"/>
+                </a:solidFill>
+              </a:defRPr>
+            </a:lvl1pPr>
+            <a:lvl2pPr marL="457200" indent="0">
+              <a:buNone/>
+              <a:defRPr sz="1200"/>
+            </a:lvl2pPr>
+            <a:lvl3pPr marL="914400" indent="0">
+              <a:buNone/>
+              <a:defRPr sz="1000"/>
+            </a:lvl3pPr>
+            <a:lvl4pPr marL="1371600" indent="0">
+              <a:buNone/>
+              <a:defRPr sz="900"/>
+            </a:lvl4pPr>
+            <a:lvl5pPr marL="1828800" indent="0">
+              <a:buNone/>
+              <a:defRPr sz="900"/>
+            </a:lvl5pPr>
+            <a:lvl6pPr marL="2286000" indent="0">
+              <a:buNone/>
+              <a:defRPr sz="900"/>
+            </a:lvl6pPr>
+            <a:lvl7pPr marL="2743200" indent="0">
+              <a:buNone/>
+              <a:defRPr sz="900"/>
+            </a:lvl7pPr>
+            <a:lvl8pPr marL="3200400" indent="0">
+              <a:buNone/>
+              <a:defRPr sz="900"/>
+            </a:lvl8pPr>
+            <a:lvl9pPr marL="3657600" indent="0">
+              <a:buNone/>
+              <a:defRPr sz="900"/>
+            </a:lvl9pPr>
+          </a:lstStyle>
+          <a:p>
+            <a:pPr lvl="0"/>
+            <a:r>
+              <a:rPr lang="en-US" smtClean="0"/>
+              <a:t>Click to edit Master text styles</a:t>
+            </a:r>
+          </a:p>
+        </p:txBody>
+      </p:sp>
+      <p:sp>
+        <p:nvSpPr>
+          <p:cNvPr id="5" name="Date Placeholder 4"/>
+          <p:cNvSpPr>
+            <a:spLocks noGrp="1"/>
+          </p:cNvSpPr>
+          <p:nvPr>
+            <p:ph type="dt" sz="half" idx="10"/>
+          </p:nvPr>
+        </p:nvSpPr>
+        <p:spPr>
+          <a:xfrm>
+            <a:off x="465512" y="6459785"/>
+            <a:ext cx="2618510" cy="365125"/>
+          </a:xfrm>
+        </p:spPr>
+        <p:txBody>
+          <a:bodyPr/>
+          <a:lstStyle>
+            <a:lvl1pPr algn="l">
+              <a:defRPr/>
+            </a:lvl1pPr>
+          </a:lstStyle>
+          <a:p>
+            <a:fld id="{2A7AF16C-B11A-BB4D-9A34-F36E9E247070}" type="datetimeFigureOut">
+              <a:rPr lang="en-US" smtClean="0"/>
+              <a:t>3/3/2018</a:t>
+            </a:fld>
+            <a:endParaRPr lang="en-US"/>
+          </a:p>
+        </p:txBody>
+      </p:sp>
+      <p:sp>
+        <p:nvSpPr>
+          <p:cNvPr id="6" name="Footer Placeholder 5"/>
+          <p:cNvSpPr>
+            <a:spLocks noGrp="1"/>
+          </p:cNvSpPr>
+          <p:nvPr>
+            <p:ph type="ftr" sz="quarter" idx="11"/>
+          </p:nvPr>
+        </p:nvSpPr>
+        <p:spPr>
+          <a:xfrm>
+            <a:off x="4800600" y="6459785"/>
+            <a:ext cx="4648200" cy="365125"/>
+          </a:xfrm>
+        </p:spPr>
+        <p:txBody>
+          <a:bodyPr/>
+          <a:lstStyle>
+            <a:lvl1pPr algn="l">
+              <a:defRPr>
+                <a:solidFill>
+                  <a:schemeClr val="tx2"/>
+                </a:solidFill>
+              </a:defRPr>
+            </a:lvl1pPr>
+          </a:lstStyle>
+          <a:p>
+            <a:endParaRPr lang="en-US"/>
+          </a:p>
+        </p:txBody>
+      </p:sp>
+      <p:sp>
+        <p:nvSpPr>
+          <p:cNvPr id="7" name="Slide Number Placeholder 6"/>
+          <p:cNvSpPr>
+            <a:spLocks noGrp="1"/>
+          </p:cNvSpPr>
+          <p:nvPr>
+            <p:ph type="sldNum" sz="quarter" idx="12"/>
+          </p:nvPr>
+        </p:nvSpPr>
+        <p:spPr/>
         <p:txBody>
           <a:bodyPr/>
           <a:lstStyle>
             <a:lvl1pPr>
-              <a:defRPr sz="3200"/>
+              <a:defRPr>
+                <a:solidFill>
+                  <a:schemeClr val="tx2"/>
+                </a:solidFill>
+              </a:defRPr>
             </a:lvl1pPr>
-            <a:lvl2pPr>
-              <a:defRPr sz="2800"/>
-            </a:lvl2pPr>
-            <a:lvl3pPr>
-              <a:defRPr sz="2400"/>
-            </a:lvl3pPr>
-            <a:lvl4pPr>
-              <a:defRPr sz="2000"/>
-            </a:lvl4pPr>
-            <a:lvl5pPr>
-              <a:defRPr sz="2000"/>
-            </a:lvl5pPr>
-            <a:lvl6pPr>
-              <a:defRPr sz="2000"/>
-            </a:lvl6pPr>
-            <a:lvl7pPr>
-              <a:defRPr sz="2000"/>
-            </a:lvl7pPr>
-            <a:lvl8pPr>
-              <a:defRPr sz="2000"/>
-            </a:lvl8pPr>
-            <a:lvl9pPr>
-              <a:defRPr sz="2000"/>
-            </a:lvl9pPr>
           </a:lstStyle>
-          <a:p>
-            <a:pPr lvl="0"/>
-            <a:r>
-              <a:rPr lang="en-US" smtClean="0"/>
-              <a:t>Click to edit Master text styles</a:t>
-            </a:r>
-          </a:p>
-          <a:p>
-            <a:pPr lvl="1"/>
-            <a:r>
-              <a:rPr lang="en-US" smtClean="0"/>
-              <a:t>Second level</a:t>
-            </a:r>
-          </a:p>
-          <a:p>
-            <a:pPr lvl="2"/>
-            <a:r>
-              <a:rPr lang="en-US" smtClean="0"/>
-              <a:t>Third level</a:t>
-            </a:r>
-          </a:p>
-          <a:p>
-            <a:pPr lvl="3"/>
-            <a:r>
-              <a:rPr lang="en-US" smtClean="0"/>
-              <a:t>Fourth level</a:t>
-            </a:r>
-          </a:p>
-          <a:p>
-            <a:pPr lvl="4"/>
-            <a:r>
-              <a:rPr lang="en-US" smtClean="0"/>
-              <a:t>Fifth level</a:t>
-            </a:r>
-            <a:endParaRPr lang="en-US"/>
-          </a:p>
-        </p:txBody>
-      </p:sp>
-      <p:sp>
-        <p:nvSpPr>
-          <p:cNvPr id="4" name="Text Placeholder 3"/>
-          <p:cNvSpPr>
-            <a:spLocks noGrp="1"/>
-          </p:cNvSpPr>
-          <p:nvPr>
-            <p:ph type="body" sz="half" idx="2"/>
-          </p:nvPr>
-        </p:nvSpPr>
-        <p:spPr>
-          <a:xfrm>
-            <a:off x="839788" y="2057400"/>
-            <a:ext cx="3932237" cy="3811588"/>
-          </a:xfrm>
-        </p:spPr>
-        <p:txBody>
-          <a:bodyPr/>
-          <a:lstStyle>
-            <a:lvl1pPr marL="0" indent="0">
-              <a:buNone/>
-              <a:defRPr sz="1600"/>
-            </a:lvl1pPr>
-            <a:lvl2pPr marL="457200" indent="0">
-              <a:buNone/>
-              <a:defRPr sz="1400"/>
-            </a:lvl2pPr>
-            <a:lvl3pPr marL="914400" indent="0">
-              <a:buNone/>
-              <a:defRPr sz="1200"/>
-            </a:lvl3pPr>
-            <a:lvl4pPr marL="1371600" indent="0">
-              <a:buNone/>
-              <a:defRPr sz="1000"/>
-            </a:lvl4pPr>
-            <a:lvl5pPr marL="1828800" indent="0">
-              <a:buNone/>
-              <a:defRPr sz="1000"/>
-            </a:lvl5pPr>
-            <a:lvl6pPr marL="2286000" indent="0">
-              <a:buNone/>
-              <a:defRPr sz="1000"/>
-            </a:lvl6pPr>
-            <a:lvl7pPr marL="2743200" indent="0">
-              <a:buNone/>
-              <a:defRPr sz="1000"/>
-            </a:lvl7pPr>
-            <a:lvl8pPr marL="3200400" indent="0">
-              <a:buNone/>
-              <a:defRPr sz="1000"/>
-            </a:lvl8pPr>
-            <a:lvl9pPr marL="3657600" indent="0">
-              <a:buNone/>
-              <a:defRPr sz="1000"/>
-            </a:lvl9pPr>
-          </a:lstStyle>
-          <a:p>
-            <a:pPr lvl="0"/>
-            <a:r>
-              <a:rPr lang="en-US" smtClean="0"/>
-              <a:t>Click to edit Master text styles</a:t>
-            </a:r>
-          </a:p>
-        </p:txBody>
-      </p:sp>
-      <p:sp>
-        <p:nvSpPr>
-          <p:cNvPr id="5" name="Date Placeholder 4"/>
-          <p:cNvSpPr>
-            <a:spLocks noGrp="1"/>
-          </p:cNvSpPr>
-          <p:nvPr>
-            <p:ph type="dt" sz="half" idx="10"/>
-          </p:nvPr>
-        </p:nvSpPr>
-        <p:spPr/>
-        <p:txBody>
-          <a:bodyPr/>
-          <a:lstStyle/>
-          <a:p>
-            <a:fld id="{2A7AF16C-B11A-BB4D-9A34-F36E9E247070}" type="datetimeFigureOut">
-              <a:rPr lang="en-US" smtClean="0"/>
-              <a:t>3/3/18</a:t>
-            </a:fld>
-            <a:endParaRPr lang="en-US"/>
-          </a:p>
-        </p:txBody>
-      </p:sp>
-      <p:sp>
-        <p:nvSpPr>
-          <p:cNvPr id="6" name="Footer Placeholder 5"/>
-          <p:cNvSpPr>
-            <a:spLocks noGrp="1"/>
-          </p:cNvSpPr>
-          <p:nvPr>
-            <p:ph type="ftr" sz="quarter" idx="11"/>
-          </p:nvPr>
-        </p:nvSpPr>
-        <p:spPr/>
-        <p:txBody>
-          <a:bodyPr/>
-          <a:lstStyle/>
-          <a:p>
-            <a:endParaRPr lang="en-US"/>
-          </a:p>
-        </p:txBody>
-      </p:sp>
-      <p:sp>
-        <p:nvSpPr>
-          <p:cNvPr id="7" name="Slide Number Placeholder 6"/>
-          <p:cNvSpPr>
-            <a:spLocks noGrp="1"/>
-          </p:cNvSpPr>
-          <p:nvPr>
-            <p:ph type="sldNum" sz="quarter" idx="12"/>
-          </p:nvPr>
-        </p:nvSpPr>
-        <p:spPr/>
-        <p:txBody>
-          <a:bodyPr/>
-          <a:lstStyle/>
           <a:p>
             <a:fld id="{D448BEDE-F2CE-7443-AC22-4E405F1684B9}" type="slidenum">
               <a:rPr lang="en-US" smtClean="0"/>
@@ -2152,7 +2702,7 @@
     </p:spTree>
     <p:extLst>
       <p:ext uri="{BB962C8B-B14F-4D97-AF65-F5344CB8AC3E}">
-        <p14:creationId xmlns:p14="http://schemas.microsoft.com/office/powerpoint/2010/main" val="389548523"/>
+        <p14:creationId xmlns:p14="http://schemas.microsoft.com/office/powerpoint/2010/main" val="2616801852"/>
       </p:ext>
     </p:extLst>
   </p:cSld>
@@ -2163,7 +2713,7 @@
 </file>
 
 <file path=ppt/slideLayouts/slideLayout9.xml><?xml version="1.0" encoding="utf-8"?>
-<p:sldLayout xmlns:a="http://schemas.openxmlformats.org/drawingml/2006/main" xmlns:r="http://schemas.openxmlformats.org/officeDocument/2006/relationships" xmlns:p="http://schemas.openxmlformats.org/presentationml/2006/main" type="picTx" preserve="1">
+<p:sldLayout xmlns:a="http://schemas.openxmlformats.org/drawingml/2006/main" xmlns:r="http://schemas.openxmlformats.org/officeDocument/2006/relationships" xmlns:p="http://schemas.openxmlformats.org/presentationml/2006/main" showMasterSp="0" type="picTx" preserve="1">
   <p:cSld name="Picture with Caption">
     <p:spTree>
       <p:nvGrpSpPr>
@@ -2181,25 +2731,107 @@
       </p:grpSpPr>
       <p:sp>
         <p:nvSpPr>
-          <p:cNvPr id="2" name="Title 1"/>
-          <p:cNvSpPr>
-            <a:spLocks noGrp="1"/>
-          </p:cNvSpPr>
-          <p:nvPr>
-            <p:ph type="title"/>
-          </p:nvPr>
+          <p:cNvPr id="8" name="Rectangle 7"/>
+          <p:cNvSpPr/>
+          <p:nvPr/>
         </p:nvSpPr>
         <p:spPr>
           <a:xfrm>
-            <a:off x="839788" y="457200"/>
-            <a:ext cx="3932237" cy="1600200"/>
+            <a:off x="0" y="4953000"/>
+            <a:ext cx="12188825" cy="1905000"/>
+          </a:xfrm>
+          <a:prstGeom prst="rect">
+            <a:avLst/>
+          </a:prstGeom>
+          <a:solidFill>
+            <a:schemeClr val="accent2"/>
+          </a:solidFill>
+          <a:ln>
+            <a:noFill/>
+          </a:ln>
+        </p:spPr>
+        <p:style>
+          <a:lnRef idx="2">
+            <a:schemeClr val="accent1">
+              <a:shade val="50000"/>
+            </a:schemeClr>
+          </a:lnRef>
+          <a:fillRef idx="1">
+            <a:schemeClr val="accent1"/>
+          </a:fillRef>
+          <a:effectRef idx="0">
+            <a:schemeClr val="accent1"/>
+          </a:effectRef>
+          <a:fontRef idx="minor">
+            <a:schemeClr val="lt1"/>
+          </a:fontRef>
+        </p:style>
+      </p:sp>
+      <p:sp>
+        <p:nvSpPr>
+          <p:cNvPr id="9" name="Rectangle 8"/>
+          <p:cNvSpPr/>
+          <p:nvPr/>
+        </p:nvSpPr>
+        <p:spPr>
+          <a:xfrm>
+            <a:off x="15" y="4915076"/>
+            <a:ext cx="12188825" cy="64008"/>
+          </a:xfrm>
+          <a:prstGeom prst="rect">
+            <a:avLst/>
+          </a:prstGeom>
+          <a:solidFill>
+            <a:schemeClr val="accent1"/>
+          </a:solidFill>
+          <a:ln>
+            <a:noFill/>
+          </a:ln>
+        </p:spPr>
+        <p:style>
+          <a:lnRef idx="2">
+            <a:schemeClr val="accent1">
+              <a:shade val="50000"/>
+            </a:schemeClr>
+          </a:lnRef>
+          <a:fillRef idx="1">
+            <a:schemeClr val="accent1"/>
+          </a:fillRef>
+          <a:effectRef idx="0">
+            <a:schemeClr val="accent1"/>
+          </a:effectRef>
+          <a:fontRef idx="minor">
+            <a:schemeClr val="lt1"/>
+          </a:fontRef>
+        </p:style>
+      </p:sp>
+      <p:sp>
+        <p:nvSpPr>
+          <p:cNvPr id="2" name="Title 1"/>
+          <p:cNvSpPr>
+            <a:spLocks noGrp="1"/>
+          </p:cNvSpPr>
+          <p:nvPr>
+            <p:ph type="title"/>
+          </p:nvPr>
+        </p:nvSpPr>
+        <p:spPr>
+          <a:xfrm>
+            <a:off x="1097280" y="5074920"/>
+            <a:ext cx="10113264" cy="822960"/>
           </a:xfrm>
         </p:spPr>
         <p:txBody>
-          <a:bodyPr anchor="b"/>
+          <a:bodyPr lIns="91440" tIns="0" rIns="91440" bIns="0" anchor="b">
+            <a:noAutofit/>
+          </a:bodyPr>
           <a:lstStyle>
             <a:lvl1pPr>
-              <a:defRPr sz="3200"/>
+              <a:defRPr sz="3600" b="0">
+                <a:solidFill>
+                  <a:srgbClr val="FFFFFF"/>
+                </a:solidFill>
+              </a:defRPr>
             </a:lvl1pPr>
           </a:lstStyle>
           <a:p>
@@ -2207,7 +2839,7 @@
               <a:rPr lang="en-US" smtClean="0"/>
               <a:t>Click to edit Master title style</a:t>
             </a:r>
-            <a:endParaRPr lang="en-US"/>
+            <a:endParaRPr lang="en-US" dirty="0"/>
           </a:p>
         </p:txBody>
       </p:sp>
@@ -2215,7 +2847,7 @@
         <p:nvSpPr>
           <p:cNvPr id="3" name="Picture Placeholder 2"/>
           <p:cNvSpPr>
-            <a:spLocks noGrp="1"/>
+            <a:spLocks noGrp="1" noChangeAspect="1"/>
           </p:cNvSpPr>
           <p:nvPr>
             <p:ph type="pic" idx="1"/>
@@ -2223,16 +2855,26 @@
         </p:nvSpPr>
         <p:spPr>
           <a:xfrm>
-            <a:off x="5183188" y="987425"/>
-            <a:ext cx="6172200" cy="4873625"/>
+            <a:off x="15" y="0"/>
+            <a:ext cx="12191985" cy="4915076"/>
           </a:xfrm>
+          <a:blipFill>
+            <a:blip r:embed="rId2"/>
+            <a:stretch>
+              <a:fillRect/>
+            </a:stretch>
+          </a:blipFill>
         </p:spPr>
         <p:txBody>
-          <a:bodyPr/>
+          <a:bodyPr lIns="457200" tIns="457200" anchor="t"/>
           <a:lstStyle>
             <a:lvl1pPr marL="0" indent="0">
               <a:buNone/>
-              <a:defRPr sz="3200"/>
+              <a:defRPr sz="3200">
+                <a:solidFill>
+                  <a:schemeClr val="bg1"/>
+                </a:solidFill>
+              </a:defRPr>
             </a:lvl1pPr>
             <a:lvl2pPr marL="457200" indent="0">
               <a:buNone/>
@@ -2268,7 +2910,11 @@
             </a:lvl9pPr>
           </a:lstStyle>
           <a:p>
-            <a:endParaRPr lang="en-US"/>
+            <a:r>
+              <a:rPr lang="en-US" smtClean="0"/>
+              <a:t>Click icon to add picture</a:t>
+            </a:r>
+            <a:endParaRPr lang="en-US" dirty="0"/>
           </a:p>
         </p:txBody>
       </p:sp>
@@ -2284,48 +2930,60 @@
         </p:nvSpPr>
         <p:spPr>
           <a:xfrm>
-            <a:off x="839788" y="2057400"/>
-            <a:ext cx="3932237" cy="3811588"/>
+            <a:off x="1097280" y="5907023"/>
+            <a:ext cx="10113264" cy="594360"/>
           </a:xfrm>
         </p:spPr>
         <p:txBody>
-          <a:bodyPr/>
+          <a:bodyPr lIns="91440" tIns="0" rIns="91440" bIns="0">
+            <a:normAutofit/>
+          </a:bodyPr>
           <a:lstStyle>
             <a:lvl1pPr marL="0" indent="0">
+              <a:spcBef>
+                <a:spcPts val="0"/>
+              </a:spcBef>
+              <a:spcAft>
+                <a:spcPts val="600"/>
+              </a:spcAft>
               <a:buNone/>
-              <a:defRPr sz="1600"/>
+              <a:defRPr sz="1500">
+                <a:solidFill>
+                  <a:srgbClr val="FFFFFF"/>
+                </a:solidFill>
+              </a:defRPr>
             </a:lvl1pPr>
             <a:lvl2pPr marL="457200" indent="0">
               <a:buNone/>
-              <a:defRPr sz="1400"/>
+              <a:defRPr sz="1200"/>
             </a:lvl2pPr>
             <a:lvl3pPr marL="914400" indent="0">
               <a:buNone/>
-              <a:defRPr sz="1200"/>
+              <a:defRPr sz="1000"/>
             </a:lvl3pPr>
             <a:lvl4pPr marL="1371600" indent="0">
               <a:buNone/>
-              <a:defRPr sz="1000"/>
+              <a:defRPr sz="900"/>
             </a:lvl4pPr>
             <a:lvl5pPr marL="1828800" indent="0">
               <a:buNone/>
-              <a:defRPr sz="1000"/>
+              <a:defRPr sz="900"/>
             </a:lvl5pPr>
             <a:lvl6pPr marL="2286000" indent="0">
               <a:buNone/>
-              <a:defRPr sz="1000"/>
+              <a:defRPr sz="900"/>
             </a:lvl6pPr>
             <a:lvl7pPr marL="2743200" indent="0">
               <a:buNone/>
-              <a:defRPr sz="1000"/>
+              <a:defRPr sz="900"/>
             </a:lvl7pPr>
             <a:lvl8pPr marL="3200400" indent="0">
               <a:buNone/>
-              <a:defRPr sz="1000"/>
+              <a:defRPr sz="900"/>
             </a:lvl8pPr>
             <a:lvl9pPr marL="3657600" indent="0">
               <a:buNone/>
-              <a:defRPr sz="1000"/>
+              <a:defRPr sz="900"/>
             </a:lvl9pPr>
           </a:lstStyle>
           <a:p>
@@ -2354,7 +3012,7 @@
           <a:p>
             <a:fld id="{2A7AF16C-B11A-BB4D-9A34-F36E9E247070}" type="datetimeFigureOut">
               <a:rPr lang="en-US" smtClean="0"/>
-              <a:t>3/3/18</a:t>
+              <a:t>3/3/2018</a:t>
             </a:fld>
             <a:endParaRPr lang="en-US"/>
           </a:p>
@@ -2405,7 +3063,7 @@
     </p:spTree>
     <p:extLst>
       <p:ext uri="{BB962C8B-B14F-4D97-AF65-F5344CB8AC3E}">
-        <p14:creationId xmlns:p14="http://schemas.microsoft.com/office/powerpoint/2010/main" val="1611870005"/>
+        <p14:creationId xmlns:p14="http://schemas.microsoft.com/office/powerpoint/2010/main" val="1964611746"/>
       </p:ext>
     </p:extLst>
   </p:cSld>
@@ -2439,25 +3097,101 @@
       </p:grpSpPr>
       <p:sp>
         <p:nvSpPr>
-          <p:cNvPr id="2" name="Title Placeholder 1"/>
-          <p:cNvSpPr>
-            <a:spLocks noGrp="1"/>
-          </p:cNvSpPr>
-          <p:nvPr>
-            <p:ph type="title"/>
-          </p:nvPr>
+          <p:cNvPr id="7" name="Rectangle 6"/>
+          <p:cNvSpPr/>
+          <p:nvPr/>
         </p:nvSpPr>
         <p:spPr>
           <a:xfrm>
-            <a:off x="838200" y="365125"/>
-            <a:ext cx="10515600" cy="1325563"/>
+            <a:off x="1" y="6400800"/>
+            <a:ext cx="12192000" cy="457200"/>
+          </a:xfrm>
+          <a:prstGeom prst="rect">
+            <a:avLst/>
+          </a:prstGeom>
+          <a:solidFill>
+            <a:schemeClr val="accent2"/>
+          </a:solidFill>
+          <a:ln>
+            <a:noFill/>
+          </a:ln>
+        </p:spPr>
+        <p:style>
+          <a:lnRef idx="2">
+            <a:schemeClr val="accent1">
+              <a:shade val="50000"/>
+            </a:schemeClr>
+          </a:lnRef>
+          <a:fillRef idx="1">
+            <a:schemeClr val="accent1"/>
+          </a:fillRef>
+          <a:effectRef idx="0">
+            <a:schemeClr val="accent1"/>
+          </a:effectRef>
+          <a:fontRef idx="minor">
+            <a:schemeClr val="lt1"/>
+          </a:fontRef>
+        </p:style>
+      </p:sp>
+      <p:sp>
+        <p:nvSpPr>
+          <p:cNvPr id="9" name="Rectangle 8"/>
+          <p:cNvSpPr/>
+          <p:nvPr/>
+        </p:nvSpPr>
+        <p:spPr>
+          <a:xfrm>
+            <a:off x="0" y="6334316"/>
+            <a:ext cx="12192001" cy="65998"/>
+          </a:xfrm>
+          <a:prstGeom prst="rect">
+            <a:avLst/>
+          </a:prstGeom>
+          <a:solidFill>
+            <a:schemeClr val="accent1"/>
+          </a:solidFill>
+          <a:ln>
+            <a:noFill/>
+          </a:ln>
+        </p:spPr>
+        <p:style>
+          <a:lnRef idx="2">
+            <a:schemeClr val="accent1">
+              <a:shade val="50000"/>
+            </a:schemeClr>
+          </a:lnRef>
+          <a:fillRef idx="1">
+            <a:schemeClr val="accent1"/>
+          </a:fillRef>
+          <a:effectRef idx="0">
+            <a:schemeClr val="accent1"/>
+          </a:effectRef>
+          <a:fontRef idx="minor">
+            <a:schemeClr val="lt1"/>
+          </a:fontRef>
+        </p:style>
+      </p:sp>
+      <p:sp>
+        <p:nvSpPr>
+          <p:cNvPr id="2" name="Title Placeholder 1"/>
+          <p:cNvSpPr>
+            <a:spLocks noGrp="1"/>
+          </p:cNvSpPr>
+          <p:nvPr>
+            <p:ph type="title"/>
+          </p:nvPr>
+        </p:nvSpPr>
+        <p:spPr>
+          <a:xfrm>
+            <a:off x="1097280" y="286603"/>
+            <a:ext cx="10058400" cy="1450757"/>
           </a:xfrm>
           <a:prstGeom prst="rect">
             <a:avLst/>
           </a:prstGeom>
         </p:spPr>
         <p:txBody>
-          <a:bodyPr vert="horz" lIns="91440" tIns="45720" rIns="91440" bIns="45720" rtlCol="0" anchor="ctr">
+          <a:bodyPr vert="horz" lIns="91440" tIns="45720" rIns="91440" bIns="45720" rtlCol="0" anchor="b">
             <a:normAutofit/>
           </a:bodyPr>
           <a:lstStyle/>
@@ -2466,7 +3200,7 @@
               <a:rPr lang="en-US" smtClean="0"/>
               <a:t>Click to edit Master title style</a:t>
             </a:r>
-            <a:endParaRPr lang="en-US"/>
+            <a:endParaRPr lang="en-US" dirty="0"/>
           </a:p>
         </p:txBody>
       </p:sp>
@@ -2482,15 +3216,15 @@
         </p:nvSpPr>
         <p:spPr>
           <a:xfrm>
-            <a:off x="838200" y="1825625"/>
-            <a:ext cx="10515600" cy="4351338"/>
+            <a:off x="1097280" y="1845734"/>
+            <a:ext cx="10058400" cy="4023360"/>
           </a:xfrm>
           <a:prstGeom prst="rect">
             <a:avLst/>
           </a:prstGeom>
         </p:spPr>
         <p:txBody>
-          <a:bodyPr vert="horz" lIns="91440" tIns="45720" rIns="91440" bIns="45720" rtlCol="0">
+          <a:bodyPr vert="horz" lIns="0" tIns="45720" rIns="0" bIns="45720" rtlCol="0">
             <a:normAutofit/>
           </a:bodyPr>
           <a:lstStyle/>
@@ -2528,7 +3262,7 @@
               <a:rPr lang="en-US" smtClean="0"/>
               <a:t>Fifth level</a:t>
             </a:r>
-            <a:endParaRPr lang="en-US"/>
+            <a:endParaRPr lang="en-US" dirty="0"/>
           </a:p>
         </p:txBody>
       </p:sp>
@@ -2544,8 +3278,8 @@
         </p:nvSpPr>
         <p:spPr>
           <a:xfrm>
-            <a:off x="838200" y="6356350"/>
-            <a:ext cx="2743200" cy="365125"/>
+            <a:off x="1097280" y="6459785"/>
+            <a:ext cx="2472271" cy="365125"/>
           </a:xfrm>
           <a:prstGeom prst="rect">
             <a:avLst/>
@@ -2555,11 +3289,9 @@
           <a:bodyPr vert="horz" lIns="91440" tIns="45720" rIns="91440" bIns="45720" rtlCol="0" anchor="ctr"/>
           <a:lstStyle>
             <a:lvl1pPr algn="l">
-              <a:defRPr sz="1200">
+              <a:defRPr sz="900">
                 <a:solidFill>
-                  <a:schemeClr val="tx1">
-                    <a:tint val="75000"/>
-                  </a:schemeClr>
+                  <a:srgbClr val="FFFFFF"/>
                 </a:solidFill>
               </a:defRPr>
             </a:lvl1pPr>
@@ -2567,7 +3299,7 @@
           <a:p>
             <a:fld id="{2A7AF16C-B11A-BB4D-9A34-F36E9E247070}" type="datetimeFigureOut">
               <a:rPr lang="en-US" smtClean="0"/>
-              <a:t>3/3/18</a:t>
+              <a:t>3/3/2018</a:t>
             </a:fld>
             <a:endParaRPr lang="en-US"/>
           </a:p>
@@ -2585,8 +3317,8 @@
         </p:nvSpPr>
         <p:spPr>
           <a:xfrm>
-            <a:off x="4038600" y="6356350"/>
-            <a:ext cx="4114800" cy="365125"/>
+            <a:off x="3686185" y="6459785"/>
+            <a:ext cx="4822804" cy="365125"/>
           </a:xfrm>
           <a:prstGeom prst="rect">
             <a:avLst/>
@@ -2596,11 +3328,9 @@
           <a:bodyPr vert="horz" lIns="91440" tIns="45720" rIns="91440" bIns="45720" rtlCol="0" anchor="ctr"/>
           <a:lstStyle>
             <a:lvl1pPr algn="ctr">
-              <a:defRPr sz="1200">
+              <a:defRPr sz="900" cap="all" baseline="0">
                 <a:solidFill>
-                  <a:schemeClr val="tx1">
-                    <a:tint val="75000"/>
-                  </a:schemeClr>
+                  <a:srgbClr val="FFFFFF"/>
                 </a:solidFill>
               </a:defRPr>
             </a:lvl1pPr>
@@ -2622,8 +3352,8 @@
         </p:nvSpPr>
         <p:spPr>
           <a:xfrm>
-            <a:off x="8610600" y="6356350"/>
-            <a:ext cx="2743200" cy="365125"/>
+            <a:off x="9900458" y="6459785"/>
+            <a:ext cx="1312025" cy="365125"/>
           </a:xfrm>
           <a:prstGeom prst="rect">
             <a:avLst/>
@@ -2633,11 +3363,9 @@
           <a:bodyPr vert="horz" lIns="91440" tIns="45720" rIns="91440" bIns="45720" rtlCol="0" anchor="ctr"/>
           <a:lstStyle>
             <a:lvl1pPr algn="r">
-              <a:defRPr sz="1200">
+              <a:defRPr sz="1050">
                 <a:solidFill>
-                  <a:schemeClr val="tx1">
-                    <a:tint val="75000"/>
-                  </a:schemeClr>
+                  <a:srgbClr val="FFFFFF"/>
                 </a:solidFill>
               </a:defRPr>
             </a:lvl1pPr>
@@ -2651,40 +3379,81 @@
           </a:p>
         </p:txBody>
       </p:sp>
+      <p:cxnSp>
+        <p:nvCxnSpPr>
+          <p:cNvPr id="10" name="Straight Connector 9"/>
+          <p:cNvCxnSpPr/>
+          <p:nvPr/>
+        </p:nvCxnSpPr>
+        <p:spPr>
+          <a:xfrm>
+            <a:off x="1193532" y="1737845"/>
+            <a:ext cx="9966960" cy="0"/>
+          </a:xfrm>
+          <a:prstGeom prst="line">
+            <a:avLst/>
+          </a:prstGeom>
+          <a:ln w="6350">
+            <a:solidFill>
+              <a:schemeClr val="tx1">
+                <a:lumMod val="50000"/>
+                <a:lumOff val="50000"/>
+              </a:schemeClr>
+            </a:solidFill>
+          </a:ln>
+        </p:spPr>
+        <p:style>
+          <a:lnRef idx="1">
+            <a:schemeClr val="accent1"/>
+          </a:lnRef>
+          <a:fillRef idx="0">
+            <a:schemeClr val="accent1"/>
+          </a:fillRef>
+          <a:effectRef idx="0">
+            <a:schemeClr val="accent1"/>
+          </a:effectRef>
+          <a:fontRef idx="minor">
+            <a:schemeClr val="tx1"/>
+          </a:fontRef>
+        </p:style>
+      </p:cxnSp>
     </p:spTree>
     <p:extLst>
       <p:ext uri="{BB962C8B-B14F-4D97-AF65-F5344CB8AC3E}">
-        <p14:creationId xmlns:p14="http://schemas.microsoft.com/office/powerpoint/2010/main" val="1900273497"/>
+        <p14:creationId xmlns:p14="http://schemas.microsoft.com/office/powerpoint/2010/main" val="4180124075"/>
       </p:ext>
     </p:extLst>
   </p:cSld>
   <p:clrMap bg1="lt1" tx1="dk1" bg2="lt2" tx2="dk2" accent1="accent1" accent2="accent2" accent3="accent3" accent4="accent4" accent5="accent5" accent6="accent6" hlink="hlink" folHlink="folHlink"/>
   <p:sldLayoutIdLst>
-    <p:sldLayoutId id="2147483649" r:id="rId1"/>
-    <p:sldLayoutId id="2147483650" r:id="rId2"/>
-    <p:sldLayoutId id="2147483651" r:id="rId3"/>
-    <p:sldLayoutId id="2147483652" r:id="rId4"/>
-    <p:sldLayoutId id="2147483653" r:id="rId5"/>
-    <p:sldLayoutId id="2147483654" r:id="rId6"/>
-    <p:sldLayoutId id="2147483655" r:id="rId7"/>
-    <p:sldLayoutId id="2147483656" r:id="rId8"/>
-    <p:sldLayoutId id="2147483657" r:id="rId9"/>
-    <p:sldLayoutId id="2147483658" r:id="rId10"/>
-    <p:sldLayoutId id="2147483659" r:id="rId11"/>
+    <p:sldLayoutId id="2147483678" r:id="rId1"/>
+    <p:sldLayoutId id="2147483679" r:id="rId2"/>
+    <p:sldLayoutId id="2147483680" r:id="rId3"/>
+    <p:sldLayoutId id="2147483681" r:id="rId4"/>
+    <p:sldLayoutId id="2147483682" r:id="rId5"/>
+    <p:sldLayoutId id="2147483683" r:id="rId6"/>
+    <p:sldLayoutId id="2147483684" r:id="rId7"/>
+    <p:sldLayoutId id="2147483685" r:id="rId8"/>
+    <p:sldLayoutId id="2147483686" r:id="rId9"/>
+    <p:sldLayoutId id="2147483687" r:id="rId10"/>
+    <p:sldLayoutId id="2147483688" r:id="rId11"/>
   </p:sldLayoutIdLst>
   <p:txStyles>
     <p:titleStyle>
       <a:lvl1pPr algn="l" defTabSz="914400" rtl="0" eaLnBrk="1" latinLnBrk="0" hangingPunct="1">
         <a:lnSpc>
-          <a:spcPct val="90000"/>
+          <a:spcPct val="85000"/>
         </a:lnSpc>
         <a:spcBef>
           <a:spcPct val="0"/>
         </a:spcBef>
         <a:buNone/>
-        <a:defRPr sz="4400" kern="1200">
+        <a:defRPr sz="4800" kern="1200" spc="-50" baseline="0">
           <a:solidFill>
-            <a:schemeClr val="tx1"/>
+            <a:schemeClr val="tx1">
+              <a:lumMod val="75000"/>
+              <a:lumOff val="25000"/>
+            </a:schemeClr>
           </a:solidFill>
           <a:latin typeface="+mj-lt"/>
           <a:ea typeface="+mj-ea"/>
@@ -2693,162 +3462,244 @@
       </a:lvl1pPr>
     </p:titleStyle>
     <p:bodyStyle>
-      <a:lvl1pPr marL="228600" indent="-228600" algn="l" defTabSz="914400" rtl="0" eaLnBrk="1" latinLnBrk="0" hangingPunct="1">
+      <a:lvl1pPr marL="91440" indent="-91440" algn="l" defTabSz="914400" rtl="0" eaLnBrk="1" latinLnBrk="0" hangingPunct="1">
         <a:lnSpc>
           <a:spcPct val="90000"/>
         </a:lnSpc>
         <a:spcBef>
-          <a:spcPts val="1000"/>
+          <a:spcPts val="1200"/>
         </a:spcBef>
-        <a:buFont typeface="Arial"/>
-        <a:buChar char="•"/>
-        <a:defRPr sz="2800" kern="1200">
+        <a:spcAft>
+          <a:spcPts val="200"/>
+        </a:spcAft>
+        <a:buClr>
+          <a:schemeClr val="accent1"/>
+        </a:buClr>
+        <a:buSzPct val="100000"/>
+        <a:buFont typeface="Calibri" panose="020F0502020204030204" pitchFamily="34" charset="0"/>
+        <a:buChar char=" "/>
+        <a:defRPr sz="2000" kern="1200">
           <a:solidFill>
-            <a:schemeClr val="tx1"/>
+            <a:schemeClr val="tx1">
+              <a:lumMod val="75000"/>
+              <a:lumOff val="25000"/>
+            </a:schemeClr>
           </a:solidFill>
           <a:latin typeface="+mn-lt"/>
           <a:ea typeface="+mn-ea"/>
           <a:cs typeface="+mn-cs"/>
         </a:defRPr>
       </a:lvl1pPr>
-      <a:lvl2pPr marL="685800" indent="-228600" algn="l" defTabSz="914400" rtl="0" eaLnBrk="1" latinLnBrk="0" hangingPunct="1">
+      <a:lvl2pPr marL="384048" indent="-182880" algn="l" defTabSz="914400" rtl="0" eaLnBrk="1" latinLnBrk="0" hangingPunct="1">
         <a:lnSpc>
           <a:spcPct val="90000"/>
         </a:lnSpc>
         <a:spcBef>
-          <a:spcPts val="500"/>
+          <a:spcPts val="200"/>
         </a:spcBef>
-        <a:buFont typeface="Arial"/>
-        <a:buChar char="•"/>
-        <a:defRPr sz="2400" kern="1200">
+        <a:spcAft>
+          <a:spcPts val="400"/>
+        </a:spcAft>
+        <a:buClr>
+          <a:schemeClr val="accent1"/>
+        </a:buClr>
+        <a:buFont typeface="Calibri" pitchFamily="34" charset="0"/>
+        <a:buChar char="◦"/>
+        <a:defRPr sz="1800" kern="1200">
           <a:solidFill>
-            <a:schemeClr val="tx1"/>
+            <a:schemeClr val="tx1">
+              <a:lumMod val="75000"/>
+              <a:lumOff val="25000"/>
+            </a:schemeClr>
           </a:solidFill>
           <a:latin typeface="+mn-lt"/>
           <a:ea typeface="+mn-ea"/>
           <a:cs typeface="+mn-cs"/>
         </a:defRPr>
       </a:lvl2pPr>
-      <a:lvl3pPr marL="1143000" indent="-228600" algn="l" defTabSz="914400" rtl="0" eaLnBrk="1" latinLnBrk="0" hangingPunct="1">
+      <a:lvl3pPr marL="566928" indent="-182880" algn="l" defTabSz="914400" rtl="0" eaLnBrk="1" latinLnBrk="0" hangingPunct="1">
         <a:lnSpc>
           <a:spcPct val="90000"/>
         </a:lnSpc>
         <a:spcBef>
-          <a:spcPts val="500"/>
+          <a:spcPts val="200"/>
         </a:spcBef>
-        <a:buFont typeface="Arial"/>
-        <a:buChar char="•"/>
-        <a:defRPr sz="2000" kern="1200">
+        <a:spcAft>
+          <a:spcPts val="400"/>
+        </a:spcAft>
+        <a:buClr>
+          <a:schemeClr val="accent1"/>
+        </a:buClr>
+        <a:buFont typeface="Calibri" pitchFamily="34" charset="0"/>
+        <a:buChar char="◦"/>
+        <a:defRPr sz="1400" kern="1200">
           <a:solidFill>
-            <a:schemeClr val="tx1"/>
+            <a:schemeClr val="tx1">
+              <a:lumMod val="75000"/>
+              <a:lumOff val="25000"/>
+            </a:schemeClr>
           </a:solidFill>
           <a:latin typeface="+mn-lt"/>
           <a:ea typeface="+mn-ea"/>
           <a:cs typeface="+mn-cs"/>
         </a:defRPr>
       </a:lvl3pPr>
-      <a:lvl4pPr marL="1600200" indent="-228600" algn="l" defTabSz="914400" rtl="0" eaLnBrk="1" latinLnBrk="0" hangingPunct="1">
+      <a:lvl4pPr marL="749808" indent="-182880" algn="l" defTabSz="914400" rtl="0" eaLnBrk="1" latinLnBrk="0" hangingPunct="1">
         <a:lnSpc>
           <a:spcPct val="90000"/>
         </a:lnSpc>
         <a:spcBef>
-          <a:spcPts val="500"/>
+          <a:spcPts val="200"/>
         </a:spcBef>
-        <a:buFont typeface="Arial"/>
-        <a:buChar char="•"/>
-        <a:defRPr sz="1800" kern="1200">
+        <a:spcAft>
+          <a:spcPts val="400"/>
+        </a:spcAft>
+        <a:buClr>
+          <a:schemeClr val="accent1"/>
+        </a:buClr>
+        <a:buFont typeface="Calibri" pitchFamily="34" charset="0"/>
+        <a:buChar char="◦"/>
+        <a:defRPr sz="1400" kern="1200">
           <a:solidFill>
-            <a:schemeClr val="tx1"/>
+            <a:schemeClr val="tx1">
+              <a:lumMod val="75000"/>
+              <a:lumOff val="25000"/>
+            </a:schemeClr>
           </a:solidFill>
           <a:latin typeface="+mn-lt"/>
           <a:ea typeface="+mn-ea"/>
           <a:cs typeface="+mn-cs"/>
         </a:defRPr>
       </a:lvl4pPr>
-      <a:lvl5pPr marL="2057400" indent="-228600" algn="l" defTabSz="914400" rtl="0" eaLnBrk="1" latinLnBrk="0" hangingPunct="1">
+      <a:lvl5pPr marL="932688" indent="-182880" algn="l" defTabSz="914400" rtl="0" eaLnBrk="1" latinLnBrk="0" hangingPunct="1">
         <a:lnSpc>
           <a:spcPct val="90000"/>
         </a:lnSpc>
         <a:spcBef>
-          <a:spcPts val="500"/>
+          <a:spcPts val="200"/>
         </a:spcBef>
-        <a:buFont typeface="Arial"/>
-        <a:buChar char="•"/>
-        <a:defRPr sz="1800" kern="1200">
+        <a:spcAft>
+          <a:spcPts val="400"/>
+        </a:spcAft>
+        <a:buClr>
+          <a:schemeClr val="accent1"/>
+        </a:buClr>
+        <a:buFont typeface="Calibri" pitchFamily="34" charset="0"/>
+        <a:buChar char="◦"/>
+        <a:defRPr sz="1400" kern="1200">
           <a:solidFill>
-            <a:schemeClr val="tx1"/>
+            <a:schemeClr val="tx1">
+              <a:lumMod val="75000"/>
+              <a:lumOff val="25000"/>
+            </a:schemeClr>
           </a:solidFill>
           <a:latin typeface="+mn-lt"/>
           <a:ea typeface="+mn-ea"/>
           <a:cs typeface="+mn-cs"/>
         </a:defRPr>
       </a:lvl5pPr>
-      <a:lvl6pPr marL="2514600" indent="-228600" algn="l" defTabSz="914400" rtl="0" eaLnBrk="1" latinLnBrk="0" hangingPunct="1">
+      <a:lvl6pPr marL="1100000" indent="-228600" algn="l" defTabSz="914400" rtl="0" eaLnBrk="1" latinLnBrk="0" hangingPunct="1">
         <a:lnSpc>
           <a:spcPct val="90000"/>
         </a:lnSpc>
         <a:spcBef>
-          <a:spcPts val="500"/>
+          <a:spcPts val="200"/>
         </a:spcBef>
-        <a:buFont typeface="Arial"/>
-        <a:buChar char="•"/>
-        <a:defRPr sz="1800" kern="1200">
+        <a:spcAft>
+          <a:spcPts val="400"/>
+        </a:spcAft>
+        <a:buClr>
+          <a:schemeClr val="accent1"/>
+        </a:buClr>
+        <a:buFont typeface="Calibri" pitchFamily="34" charset="0"/>
+        <a:buChar char="◦"/>
+        <a:defRPr sz="1400" kern="1200">
           <a:solidFill>
-            <a:schemeClr val="tx1"/>
+            <a:schemeClr val="tx1">
+              <a:lumMod val="75000"/>
+              <a:lumOff val="25000"/>
+            </a:schemeClr>
           </a:solidFill>
           <a:latin typeface="+mn-lt"/>
           <a:ea typeface="+mn-ea"/>
           <a:cs typeface="+mn-cs"/>
         </a:defRPr>
       </a:lvl6pPr>
-      <a:lvl7pPr marL="2971800" indent="-228600" algn="l" defTabSz="914400" rtl="0" eaLnBrk="1" latinLnBrk="0" hangingPunct="1">
+      <a:lvl7pPr marL="1300000" indent="-228600" algn="l" defTabSz="914400" rtl="0" eaLnBrk="1" latinLnBrk="0" hangingPunct="1">
         <a:lnSpc>
           <a:spcPct val="90000"/>
         </a:lnSpc>
         <a:spcBef>
-          <a:spcPts val="500"/>
+          <a:spcPts val="200"/>
         </a:spcBef>
-        <a:buFont typeface="Arial"/>
-        <a:buChar char="•"/>
-        <a:defRPr sz="1800" kern="1200">
+        <a:spcAft>
+          <a:spcPts val="400"/>
+        </a:spcAft>
+        <a:buClr>
+          <a:schemeClr val="accent1"/>
+        </a:buClr>
+        <a:buFont typeface="Calibri" pitchFamily="34" charset="0"/>
+        <a:buChar char="◦"/>
+        <a:defRPr sz="1400" kern="1200">
           <a:solidFill>
-            <a:schemeClr val="tx1"/>
+            <a:schemeClr val="tx1">
+              <a:lumMod val="75000"/>
+              <a:lumOff val="25000"/>
+            </a:schemeClr>
           </a:solidFill>
           <a:latin typeface="+mn-lt"/>
           <a:ea typeface="+mn-ea"/>
           <a:cs typeface="+mn-cs"/>
         </a:defRPr>
       </a:lvl7pPr>
-      <a:lvl8pPr marL="3429000" indent="-228600" algn="l" defTabSz="914400" rtl="0" eaLnBrk="1" latinLnBrk="0" hangingPunct="1">
+      <a:lvl8pPr marL="1500000" indent="-228600" algn="l" defTabSz="914400" rtl="0" eaLnBrk="1" latinLnBrk="0" hangingPunct="1">
         <a:lnSpc>
           <a:spcPct val="90000"/>
         </a:lnSpc>
         <a:spcBef>
-          <a:spcPts val="500"/>
+          <a:spcPts val="200"/>
         </a:spcBef>
-        <a:buFont typeface="Arial"/>
-        <a:buChar char="•"/>
-        <a:defRPr sz="1800" kern="1200">
+        <a:spcAft>
+          <a:spcPts val="400"/>
+        </a:spcAft>
+        <a:buClr>
+          <a:schemeClr val="accent1"/>
+        </a:buClr>
+        <a:buFont typeface="Calibri" pitchFamily="34" charset="0"/>
+        <a:buChar char="◦"/>
+        <a:defRPr sz="1400" kern="1200">
           <a:solidFill>
-            <a:schemeClr val="tx1"/>
+            <a:schemeClr val="tx1">
+              <a:lumMod val="75000"/>
+              <a:lumOff val="25000"/>
+            </a:schemeClr>
           </a:solidFill>
           <a:latin typeface="+mn-lt"/>
           <a:ea typeface="+mn-ea"/>
           <a:cs typeface="+mn-cs"/>
         </a:defRPr>
       </a:lvl8pPr>
-      <a:lvl9pPr marL="3886200" indent="-228600" algn="l" defTabSz="914400" rtl="0" eaLnBrk="1" latinLnBrk="0" hangingPunct="1">
+      <a:lvl9pPr marL="1700000" indent="-228600" algn="l" defTabSz="914400" rtl="0" eaLnBrk="1" latinLnBrk="0" hangingPunct="1">
         <a:lnSpc>
           <a:spcPct val="90000"/>
         </a:lnSpc>
         <a:spcBef>
-          <a:spcPts val="500"/>
+          <a:spcPts val="200"/>
         </a:spcBef>
-        <a:buFont typeface="Arial"/>
-        <a:buChar char="•"/>
-        <a:defRPr sz="1800" kern="1200">
+        <a:spcAft>
+          <a:spcPts val="400"/>
+        </a:spcAft>
+        <a:buClr>
+          <a:schemeClr val="accent1"/>
+        </a:buClr>
+        <a:buFont typeface="Calibri" pitchFamily="34" charset="0"/>
+        <a:buChar char="◦"/>
+        <a:defRPr sz="1400" kern="1200">
           <a:solidFill>
-            <a:schemeClr val="tx1"/>
+            <a:schemeClr val="tx1">
+              <a:lumMod val="75000"/>
+              <a:lumOff val="25000"/>
+            </a:schemeClr>
           </a:solidFill>
           <a:latin typeface="+mn-lt"/>
           <a:ea typeface="+mn-ea"/>
@@ -3012,13 +3863,1000 @@
   <p:clrMapOvr>
     <a:masterClrMapping/>
   </p:clrMapOvr>
-  <mc:AlternateContent xmlns:mc="http://schemas.openxmlformats.org/markup-compatibility/2006">
-    <mc:Choice xmlns:p14="http://schemas.microsoft.com/office/powerpoint/2010/main" Requires="p14">
+  <mc:AlternateContent xmlns:mc="http://schemas.openxmlformats.org/markup-compatibility/2006" xmlns:p14="http://schemas.microsoft.com/office/powerpoint/2010/main">
+    <mc:Choice Requires="p14">
       <p:transition spd="med" p14:dur="700">
         <p:fade/>
       </p:transition>
     </mc:Choice>
-    <mc:Fallback>
+    <mc:Fallback xmlns="">
+      <p:transition spd="med">
+        <p:fade/>
+      </p:transition>
+    </mc:Fallback>
+  </mc:AlternateContent>
+  <p:timing>
+    <p:tnLst>
+      <p:par>
+        <p:cTn id="1" dur="indefinite" restart="never" nodeType="tmRoot"/>
+      </p:par>
+    </p:tnLst>
+  </p:timing>
+</p:sld>
+</file>
+
+<file path=ppt/slides/slide10.xml><?xml version="1.0" encoding="utf-8"?>
+<p:sld xmlns:a="http://schemas.openxmlformats.org/drawingml/2006/main" xmlns:r="http://schemas.openxmlformats.org/officeDocument/2006/relationships" xmlns:p="http://schemas.openxmlformats.org/presentationml/2006/main">
+  <p:cSld>
+    <p:spTree>
+      <p:nvGrpSpPr>
+        <p:cNvPr id="1" name=""/>
+        <p:cNvGrpSpPr/>
+        <p:nvPr/>
+      </p:nvGrpSpPr>
+      <p:grpSpPr>
+        <a:xfrm>
+          <a:off x="0" y="0"/>
+          <a:ext cx="0" cy="0"/>
+          <a:chOff x="0" y="0"/>
+          <a:chExt cx="0" cy="0"/>
+        </a:xfrm>
+      </p:grpSpPr>
+      <p:sp>
+        <p:nvSpPr>
+          <p:cNvPr id="2" name="Title 1"/>
+          <p:cNvSpPr>
+            <a:spLocks noGrp="1"/>
+          </p:cNvSpPr>
+          <p:nvPr>
+            <p:ph type="title"/>
+          </p:nvPr>
+        </p:nvSpPr>
+        <p:spPr/>
+        <p:txBody>
+          <a:bodyPr/>
+          <a:lstStyle/>
+          <a:p>
+            <a:endParaRPr lang="en-US" dirty="0"/>
+          </a:p>
+        </p:txBody>
+      </p:sp>
+      <p:graphicFrame>
+        <p:nvGraphicFramePr>
+          <p:cNvPr id="5" name="Content Placeholder 4"/>
+          <p:cNvGraphicFramePr>
+            <a:graphicFrameLocks noGrp="1"/>
+          </p:cNvGraphicFramePr>
+          <p:nvPr>
+            <p:ph sz="half" idx="1"/>
+            <p:extLst>
+              <p:ext uri="{D42A27DB-BD31-4B8C-83A1-F6EECF244321}">
+                <p14:modId xmlns:p14="http://schemas.microsoft.com/office/powerpoint/2010/main" val="1104913777"/>
+              </p:ext>
+            </p:extLst>
+          </p:nvPr>
+        </p:nvGraphicFramePr>
+        <p:xfrm>
+          <a:off x="1096963" y="1846263"/>
+          <a:ext cx="4938711" cy="2590800"/>
+        </p:xfrm>
+        <a:graphic>
+          <a:graphicData uri="http://schemas.openxmlformats.org/drawingml/2006/table">
+            <a:tbl>
+              <a:tblPr firstRow="1" bandRow="1">
+                <a:tableStyleId>{00A15C55-8517-42AA-B614-E9B94910E393}</a:tableStyleId>
+              </a:tblPr>
+              <a:tblGrid>
+                <a:gridCol w="1646237"/>
+                <a:gridCol w="1646237"/>
+                <a:gridCol w="1646237"/>
+              </a:tblGrid>
+              <a:tr h="370840">
+                <a:tc gridSpan="3">
+                  <a:txBody>
+                    <a:bodyPr/>
+                    <a:lstStyle/>
+                    <a:p>
+                      <a:r>
+                        <a:rPr lang="en-US" sz="2800" dirty="0" smtClean="0"/>
+                        <a:t>Future</a:t>
+                      </a:r>
+                      <a:r>
+                        <a:rPr lang="en-US" sz="2800" baseline="0" dirty="0" smtClean="0"/>
+                        <a:t> Reads</a:t>
+                      </a:r>
+                      <a:endParaRPr lang="en-US" sz="2800" dirty="0"/>
+                    </a:p>
+                  </a:txBody>
+                  <a:tcPr marL="87154" marR="87154"/>
+                </a:tc>
+                <a:tc hMerge="1">
+                  <a:txBody>
+                    <a:bodyPr/>
+                    <a:lstStyle/>
+                    <a:p>
+                      <a:endParaRPr lang="en-US" dirty="0"/>
+                    </a:p>
+                  </a:txBody>
+                  <a:tcPr/>
+                </a:tc>
+                <a:tc hMerge="1">
+                  <a:txBody>
+                    <a:bodyPr/>
+                    <a:lstStyle/>
+                    <a:p>
+                      <a:endParaRPr lang="en-US" dirty="0"/>
+                    </a:p>
+                  </a:txBody>
+                  <a:tcPr/>
+                </a:tc>
+              </a:tr>
+              <a:tr h="370840">
+                <a:tc>
+                  <a:txBody>
+                    <a:bodyPr/>
+                    <a:lstStyle/>
+                    <a:p>
+                      <a:r>
+                        <a:rPr lang="en-US" sz="2800" dirty="0" smtClean="0"/>
+                        <a:t>Id</a:t>
+                      </a:r>
+                      <a:endParaRPr lang="en-US" sz="2800" dirty="0"/>
+                    </a:p>
+                  </a:txBody>
+                  <a:tcPr marL="87154" marR="87154"/>
+                </a:tc>
+                <a:tc>
+                  <a:txBody>
+                    <a:bodyPr/>
+                    <a:lstStyle/>
+                    <a:p>
+                      <a:r>
+                        <a:rPr lang="en-US" sz="2800" dirty="0" smtClean="0"/>
+                        <a:t>Book Id</a:t>
+                      </a:r>
+                      <a:endParaRPr lang="en-US" sz="2800" dirty="0"/>
+                    </a:p>
+                  </a:txBody>
+                  <a:tcPr marL="87154" marR="87154"/>
+                </a:tc>
+                <a:tc>
+                  <a:txBody>
+                    <a:bodyPr/>
+                    <a:lstStyle/>
+                    <a:p>
+                      <a:r>
+                        <a:rPr lang="en-US" sz="2800" dirty="0" smtClean="0"/>
+                        <a:t>User Id</a:t>
+                      </a:r>
+                      <a:endParaRPr lang="en-US" sz="2800" dirty="0"/>
+                    </a:p>
+                  </a:txBody>
+                  <a:tcPr marL="87154" marR="87154"/>
+                </a:tc>
+              </a:tr>
+              <a:tr h="370840">
+                <a:tc>
+                  <a:txBody>
+                    <a:bodyPr/>
+                    <a:lstStyle/>
+                    <a:p>
+                      <a:r>
+                        <a:rPr lang="en-US" sz="2800" dirty="0" smtClean="0"/>
+                        <a:t>1</a:t>
+                      </a:r>
+                      <a:endParaRPr lang="en-US" sz="2800" dirty="0"/>
+                    </a:p>
+                  </a:txBody>
+                  <a:tcPr marL="87154" marR="87154"/>
+                </a:tc>
+                <a:tc>
+                  <a:txBody>
+                    <a:bodyPr/>
+                    <a:lstStyle/>
+                    <a:p>
+                      <a:endParaRPr lang="en-US" sz="2800" dirty="0"/>
+                    </a:p>
+                  </a:txBody>
+                  <a:tcPr marL="87154" marR="87154"/>
+                </a:tc>
+                <a:tc>
+                  <a:txBody>
+                    <a:bodyPr/>
+                    <a:lstStyle/>
+                    <a:p>
+                      <a:endParaRPr lang="en-US" sz="2800" dirty="0"/>
+                    </a:p>
+                  </a:txBody>
+                  <a:tcPr marL="87154" marR="87154"/>
+                </a:tc>
+              </a:tr>
+              <a:tr h="370840">
+                <a:tc>
+                  <a:txBody>
+                    <a:bodyPr/>
+                    <a:lstStyle/>
+                    <a:p>
+                      <a:r>
+                        <a:rPr lang="en-US" sz="2800" dirty="0" smtClean="0"/>
+                        <a:t>2</a:t>
+                      </a:r>
+                      <a:endParaRPr lang="en-US" sz="2800" dirty="0"/>
+                    </a:p>
+                  </a:txBody>
+                  <a:tcPr marL="87154" marR="87154"/>
+                </a:tc>
+                <a:tc>
+                  <a:txBody>
+                    <a:bodyPr/>
+                    <a:lstStyle/>
+                    <a:p>
+                      <a:endParaRPr lang="en-US" sz="2800"/>
+                    </a:p>
+                  </a:txBody>
+                  <a:tcPr marL="87154" marR="87154"/>
+                </a:tc>
+                <a:tc>
+                  <a:txBody>
+                    <a:bodyPr/>
+                    <a:lstStyle/>
+                    <a:p>
+                      <a:endParaRPr lang="en-US" sz="2800"/>
+                    </a:p>
+                  </a:txBody>
+                  <a:tcPr marL="87154" marR="87154"/>
+                </a:tc>
+              </a:tr>
+              <a:tr h="370840">
+                <a:tc>
+                  <a:txBody>
+                    <a:bodyPr/>
+                    <a:lstStyle/>
+                    <a:p>
+                      <a:r>
+                        <a:rPr lang="en-US" sz="2800" dirty="0" smtClean="0"/>
+                        <a:t>3</a:t>
+                      </a:r>
+                      <a:endParaRPr lang="en-US" sz="2800" dirty="0"/>
+                    </a:p>
+                  </a:txBody>
+                  <a:tcPr marL="87154" marR="87154"/>
+                </a:tc>
+                <a:tc>
+                  <a:txBody>
+                    <a:bodyPr/>
+                    <a:lstStyle/>
+                    <a:p>
+                      <a:endParaRPr lang="en-US" sz="2800"/>
+                    </a:p>
+                  </a:txBody>
+                  <a:tcPr marL="87154" marR="87154"/>
+                </a:tc>
+                <a:tc>
+                  <a:txBody>
+                    <a:bodyPr/>
+                    <a:lstStyle/>
+                    <a:p>
+                      <a:endParaRPr lang="en-US" sz="2800" dirty="0"/>
+                    </a:p>
+                  </a:txBody>
+                  <a:tcPr marL="87154" marR="87154"/>
+                </a:tc>
+              </a:tr>
+            </a:tbl>
+          </a:graphicData>
+        </a:graphic>
+      </p:graphicFrame>
+      <p:graphicFrame>
+        <p:nvGraphicFramePr>
+          <p:cNvPr id="6" name="Content Placeholder 5"/>
+          <p:cNvGraphicFramePr>
+            <a:graphicFrameLocks noGrp="1"/>
+          </p:cNvGraphicFramePr>
+          <p:nvPr>
+            <p:ph sz="half" idx="2"/>
+            <p:extLst>
+              <p:ext uri="{D42A27DB-BD31-4B8C-83A1-F6EECF244321}">
+                <p14:modId xmlns:p14="http://schemas.microsoft.com/office/powerpoint/2010/main" val="1074719426"/>
+              </p:ext>
+            </p:extLst>
+          </p:nvPr>
+        </p:nvGraphicFramePr>
+        <p:xfrm>
+          <a:off x="6218238" y="1846263"/>
+          <a:ext cx="4937124" cy="2590800"/>
+        </p:xfrm>
+        <a:graphic>
+          <a:graphicData uri="http://schemas.openxmlformats.org/drawingml/2006/table">
+            <a:tbl>
+              <a:tblPr firstRow="1" bandRow="1">
+                <a:tableStyleId>{7DF18680-E054-41AD-8BC1-D1AEF772440D}</a:tableStyleId>
+              </a:tblPr>
+              <a:tblGrid>
+                <a:gridCol w="1645708"/>
+                <a:gridCol w="1645708"/>
+                <a:gridCol w="1645708"/>
+              </a:tblGrid>
+              <a:tr h="370840">
+                <a:tc gridSpan="3">
+                  <a:txBody>
+                    <a:bodyPr/>
+                    <a:lstStyle/>
+                    <a:p>
+                      <a:r>
+                        <a:rPr lang="en-US" sz="2800" dirty="0" smtClean="0"/>
+                        <a:t>Previously</a:t>
+                      </a:r>
+                      <a:r>
+                        <a:rPr lang="en-US" sz="2800" baseline="0" dirty="0" smtClean="0"/>
+                        <a:t> Read</a:t>
+                      </a:r>
+                      <a:endParaRPr lang="en-US" sz="2800" dirty="0"/>
+                    </a:p>
+                  </a:txBody>
+                  <a:tcPr marL="87126" marR="87126"/>
+                </a:tc>
+                <a:tc hMerge="1">
+                  <a:txBody>
+                    <a:bodyPr/>
+                    <a:lstStyle/>
+                    <a:p>
+                      <a:endParaRPr lang="en-US" dirty="0"/>
+                    </a:p>
+                  </a:txBody>
+                  <a:tcPr/>
+                </a:tc>
+                <a:tc hMerge="1">
+                  <a:txBody>
+                    <a:bodyPr/>
+                    <a:lstStyle/>
+                    <a:p>
+                      <a:endParaRPr lang="en-US" dirty="0"/>
+                    </a:p>
+                  </a:txBody>
+                  <a:tcPr/>
+                </a:tc>
+              </a:tr>
+              <a:tr h="370840">
+                <a:tc>
+                  <a:txBody>
+                    <a:bodyPr/>
+                    <a:lstStyle/>
+                    <a:p>
+                      <a:r>
+                        <a:rPr lang="en-US" sz="2800" dirty="0" smtClean="0"/>
+                        <a:t>Id</a:t>
+                      </a:r>
+                      <a:endParaRPr lang="en-US" sz="2800" dirty="0"/>
+                    </a:p>
+                  </a:txBody>
+                  <a:tcPr marL="87126" marR="87126"/>
+                </a:tc>
+                <a:tc>
+                  <a:txBody>
+                    <a:bodyPr/>
+                    <a:lstStyle/>
+                    <a:p>
+                      <a:r>
+                        <a:rPr lang="en-US" sz="2800" dirty="0" smtClean="0"/>
+                        <a:t>Book Id</a:t>
+                      </a:r>
+                      <a:endParaRPr lang="en-US" sz="2800" dirty="0"/>
+                    </a:p>
+                  </a:txBody>
+                  <a:tcPr marL="87126" marR="87126"/>
+                </a:tc>
+                <a:tc>
+                  <a:txBody>
+                    <a:bodyPr/>
+                    <a:lstStyle/>
+                    <a:p>
+                      <a:r>
+                        <a:rPr lang="en-US" sz="2800" dirty="0" smtClean="0"/>
+                        <a:t>User Id</a:t>
+                      </a:r>
+                      <a:endParaRPr lang="en-US" sz="2800" dirty="0"/>
+                    </a:p>
+                  </a:txBody>
+                  <a:tcPr marL="87126" marR="87126"/>
+                </a:tc>
+              </a:tr>
+              <a:tr h="370840">
+                <a:tc>
+                  <a:txBody>
+                    <a:bodyPr/>
+                    <a:lstStyle/>
+                    <a:p>
+                      <a:r>
+                        <a:rPr lang="en-US" sz="2800" dirty="0" smtClean="0"/>
+                        <a:t>1</a:t>
+                      </a:r>
+                      <a:endParaRPr lang="en-US" sz="2800" dirty="0"/>
+                    </a:p>
+                  </a:txBody>
+                  <a:tcPr marL="87126" marR="87126"/>
+                </a:tc>
+                <a:tc>
+                  <a:txBody>
+                    <a:bodyPr/>
+                    <a:lstStyle/>
+                    <a:p>
+                      <a:endParaRPr lang="en-US" sz="2800"/>
+                    </a:p>
+                  </a:txBody>
+                  <a:tcPr marL="87126" marR="87126"/>
+                </a:tc>
+                <a:tc>
+                  <a:txBody>
+                    <a:bodyPr/>
+                    <a:lstStyle/>
+                    <a:p>
+                      <a:endParaRPr lang="en-US" sz="2800"/>
+                    </a:p>
+                  </a:txBody>
+                  <a:tcPr marL="87126" marR="87126"/>
+                </a:tc>
+              </a:tr>
+              <a:tr h="370840">
+                <a:tc>
+                  <a:txBody>
+                    <a:bodyPr/>
+                    <a:lstStyle/>
+                    <a:p>
+                      <a:r>
+                        <a:rPr lang="en-US" sz="2800" dirty="0" smtClean="0"/>
+                        <a:t>2</a:t>
+                      </a:r>
+                      <a:endParaRPr lang="en-US" sz="2800" dirty="0"/>
+                    </a:p>
+                  </a:txBody>
+                  <a:tcPr marL="87126" marR="87126"/>
+                </a:tc>
+                <a:tc>
+                  <a:txBody>
+                    <a:bodyPr/>
+                    <a:lstStyle/>
+                    <a:p>
+                      <a:endParaRPr lang="en-US" sz="2800"/>
+                    </a:p>
+                  </a:txBody>
+                  <a:tcPr marL="87126" marR="87126"/>
+                </a:tc>
+                <a:tc>
+                  <a:txBody>
+                    <a:bodyPr/>
+                    <a:lstStyle/>
+                    <a:p>
+                      <a:endParaRPr lang="en-US" sz="2800"/>
+                    </a:p>
+                  </a:txBody>
+                  <a:tcPr marL="87126" marR="87126"/>
+                </a:tc>
+              </a:tr>
+              <a:tr h="370840">
+                <a:tc>
+                  <a:txBody>
+                    <a:bodyPr/>
+                    <a:lstStyle/>
+                    <a:p>
+                      <a:r>
+                        <a:rPr lang="en-US" sz="2800" dirty="0" smtClean="0"/>
+                        <a:t>3</a:t>
+                      </a:r>
+                      <a:endParaRPr lang="en-US" sz="2800" dirty="0"/>
+                    </a:p>
+                  </a:txBody>
+                  <a:tcPr marL="87126" marR="87126"/>
+                </a:tc>
+                <a:tc>
+                  <a:txBody>
+                    <a:bodyPr/>
+                    <a:lstStyle/>
+                    <a:p>
+                      <a:endParaRPr lang="en-US" sz="2800"/>
+                    </a:p>
+                  </a:txBody>
+                  <a:tcPr marL="87126" marR="87126"/>
+                </a:tc>
+                <a:tc>
+                  <a:txBody>
+                    <a:bodyPr/>
+                    <a:lstStyle/>
+                    <a:p>
+                      <a:endParaRPr lang="en-US" sz="2800" dirty="0"/>
+                    </a:p>
+                  </a:txBody>
+                  <a:tcPr marL="87126" marR="87126"/>
+                </a:tc>
+              </a:tr>
+            </a:tbl>
+          </a:graphicData>
+        </a:graphic>
+      </p:graphicFrame>
+    </p:spTree>
+    <p:extLst>
+      <p:ext uri="{BB962C8B-B14F-4D97-AF65-F5344CB8AC3E}">
+        <p14:creationId xmlns:p14="http://schemas.microsoft.com/office/powerpoint/2010/main" val="303022906"/>
+      </p:ext>
+    </p:extLst>
+  </p:cSld>
+  <p:clrMapOvr>
+    <a:masterClrMapping/>
+  </p:clrMapOvr>
+  <p:timing>
+    <p:tnLst>
+      <p:par>
+        <p:cTn id="1" dur="indefinite" restart="never" nodeType="tmRoot"/>
+      </p:par>
+    </p:tnLst>
+  </p:timing>
+</p:sld>
+</file>
+
+<file path=ppt/slides/slide11.xml><?xml version="1.0" encoding="utf-8"?>
+<p:sld xmlns:a="http://schemas.openxmlformats.org/drawingml/2006/main" xmlns:r="http://schemas.openxmlformats.org/officeDocument/2006/relationships" xmlns:p="http://schemas.openxmlformats.org/presentationml/2006/main">
+  <p:cSld>
+    <p:spTree>
+      <p:nvGrpSpPr>
+        <p:cNvPr id="1" name=""/>
+        <p:cNvGrpSpPr/>
+        <p:nvPr/>
+      </p:nvGrpSpPr>
+      <p:grpSpPr>
+        <a:xfrm>
+          <a:off x="0" y="0"/>
+          <a:ext cx="0" cy="0"/>
+          <a:chOff x="0" y="0"/>
+          <a:chExt cx="0" cy="0"/>
+        </a:xfrm>
+      </p:grpSpPr>
+      <p:sp>
+        <p:nvSpPr>
+          <p:cNvPr id="2" name="Title 1"/>
+          <p:cNvSpPr>
+            <a:spLocks noGrp="1"/>
+          </p:cNvSpPr>
+          <p:nvPr>
+            <p:ph type="title"/>
+          </p:nvPr>
+        </p:nvSpPr>
+        <p:spPr/>
+        <p:txBody>
+          <a:bodyPr/>
+          <a:lstStyle/>
+          <a:p>
+            <a:r>
+              <a:rPr lang="en-US" dirty="0" smtClean="0"/>
+              <a:t>5 Tables:</a:t>
+            </a:r>
+            <a:endParaRPr lang="en-US" dirty="0"/>
+          </a:p>
+        </p:txBody>
+      </p:sp>
+      <p:sp>
+        <p:nvSpPr>
+          <p:cNvPr id="3" name="Content Placeholder 2"/>
+          <p:cNvSpPr>
+            <a:spLocks noGrp="1"/>
+          </p:cNvSpPr>
+          <p:nvPr>
+            <p:ph idx="1"/>
+          </p:nvPr>
+        </p:nvSpPr>
+        <p:spPr/>
+        <p:txBody>
+          <a:bodyPr>
+            <a:normAutofit/>
+          </a:bodyPr>
+          <a:lstStyle/>
+          <a:p>
+            <a:pPr marL="742950" indent="-742950">
+              <a:buFont typeface="+mj-lt"/>
+              <a:buAutoNum type="arabicPeriod"/>
+            </a:pPr>
+            <a:r>
+              <a:rPr lang="en-US" sz="3600" dirty="0" smtClean="0"/>
+              <a:t>Users</a:t>
+            </a:r>
+          </a:p>
+          <a:p>
+            <a:pPr marL="742950" indent="-742950">
+              <a:buFont typeface="+mj-lt"/>
+              <a:buAutoNum type="arabicPeriod"/>
+            </a:pPr>
+            <a:r>
+              <a:rPr lang="en-US" sz="3600" dirty="0" smtClean="0"/>
+              <a:t>Books</a:t>
+            </a:r>
+          </a:p>
+          <a:p>
+            <a:pPr marL="742950" indent="-742950">
+              <a:buFont typeface="+mj-lt"/>
+              <a:buAutoNum type="arabicPeriod"/>
+            </a:pPr>
+            <a:r>
+              <a:rPr lang="en-US" sz="3600" dirty="0" smtClean="0"/>
+              <a:t>Favorites</a:t>
+            </a:r>
+            <a:endParaRPr lang="en-US" sz="3600" dirty="0"/>
+          </a:p>
+          <a:p>
+            <a:pPr marL="742950" indent="-742950">
+              <a:buFont typeface="+mj-lt"/>
+              <a:buAutoNum type="arabicPeriod"/>
+            </a:pPr>
+            <a:r>
+              <a:rPr lang="en-US" sz="3600" dirty="0" smtClean="0"/>
+              <a:t>Future reads</a:t>
+            </a:r>
+          </a:p>
+          <a:p>
+            <a:pPr marL="742950" indent="-742950">
+              <a:buFont typeface="+mj-lt"/>
+              <a:buAutoNum type="arabicPeriod"/>
+            </a:pPr>
+            <a:r>
+              <a:rPr lang="en-US" sz="3600" dirty="0" smtClean="0"/>
+              <a:t>Previously read</a:t>
+            </a:r>
+          </a:p>
+          <a:p>
+            <a:pPr marL="742950" indent="-742950">
+              <a:buFont typeface="+mj-lt"/>
+              <a:buAutoNum type="arabicPeriod"/>
+            </a:pPr>
+            <a:r>
+              <a:rPr lang="en-US" sz="3600" dirty="0" smtClean="0"/>
+              <a:t>Currently reading</a:t>
+            </a:r>
+          </a:p>
+        </p:txBody>
+      </p:sp>
+    </p:spTree>
+    <p:extLst>
+      <p:ext uri="{BB962C8B-B14F-4D97-AF65-F5344CB8AC3E}">
+        <p14:creationId xmlns:p14="http://schemas.microsoft.com/office/powerpoint/2010/main" val="3707909864"/>
+      </p:ext>
+    </p:extLst>
+  </p:cSld>
+  <p:clrMapOvr>
+    <a:masterClrMapping/>
+  </p:clrMapOvr>
+  <p:timing>
+    <p:tnLst>
+      <p:par>
+        <p:cTn id="1" dur="indefinite" restart="never" nodeType="tmRoot"/>
+      </p:par>
+    </p:tnLst>
+  </p:timing>
+</p:sld>
+</file>
+
+<file path=ppt/slides/slide12.xml><?xml version="1.0" encoding="utf-8"?>
+<p:sld xmlns:a="http://schemas.openxmlformats.org/drawingml/2006/main" xmlns:r="http://schemas.openxmlformats.org/officeDocument/2006/relationships" xmlns:p="http://schemas.openxmlformats.org/presentationml/2006/main">
+  <p:cSld>
+    <p:spTree>
+      <p:nvGrpSpPr>
+        <p:cNvPr id="1" name=""/>
+        <p:cNvGrpSpPr/>
+        <p:nvPr/>
+      </p:nvGrpSpPr>
+      <p:grpSpPr>
+        <a:xfrm>
+          <a:off x="0" y="0"/>
+          <a:ext cx="0" cy="0"/>
+          <a:chOff x="0" y="0"/>
+          <a:chExt cx="0" cy="0"/>
+        </a:xfrm>
+      </p:grpSpPr>
+      <p:sp>
+        <p:nvSpPr>
+          <p:cNvPr id="2" name="Title 1"/>
+          <p:cNvSpPr>
+            <a:spLocks noGrp="1"/>
+          </p:cNvSpPr>
+          <p:nvPr>
+            <p:ph type="title"/>
+          </p:nvPr>
+        </p:nvSpPr>
+        <p:spPr/>
+        <p:txBody>
+          <a:bodyPr/>
+          <a:lstStyle/>
+          <a:p>
+            <a:r>
+              <a:rPr lang="en-US" dirty="0" smtClean="0"/>
+              <a:t>App Capabilities</a:t>
+            </a:r>
+            <a:endParaRPr lang="en-US" dirty="0"/>
+          </a:p>
+        </p:txBody>
+      </p:sp>
+      <p:sp>
+        <p:nvSpPr>
+          <p:cNvPr id="3" name="Content Placeholder 2"/>
+          <p:cNvSpPr>
+            <a:spLocks noGrp="1"/>
+          </p:cNvSpPr>
+          <p:nvPr>
+            <p:ph idx="1"/>
+          </p:nvPr>
+        </p:nvSpPr>
+        <p:spPr/>
+        <p:txBody>
+          <a:bodyPr/>
+          <a:lstStyle/>
+          <a:p>
+            <a:r>
+              <a:rPr lang="en-US" sz="4000" dirty="0" smtClean="0"/>
+              <a:t>Create an account</a:t>
+            </a:r>
+          </a:p>
+          <a:p>
+            <a:r>
+              <a:rPr lang="en-US" sz="4000" dirty="0" smtClean="0"/>
+              <a:t>Search for books using the Google Books API</a:t>
+            </a:r>
+          </a:p>
+          <a:p>
+            <a:r>
+              <a:rPr lang="en-US" sz="4000" dirty="0" smtClean="0"/>
+              <a:t>Display book information in search results</a:t>
+            </a:r>
+          </a:p>
+          <a:p>
+            <a:r>
+              <a:rPr lang="en-US" sz="4000" dirty="0" smtClean="0"/>
+              <a:t>Ability to add books to 4 different lists</a:t>
+            </a:r>
+          </a:p>
+          <a:p>
+            <a:endParaRPr lang="en-US" dirty="0"/>
+          </a:p>
+        </p:txBody>
+      </p:sp>
+    </p:spTree>
+    <p:extLst>
+      <p:ext uri="{BB962C8B-B14F-4D97-AF65-F5344CB8AC3E}">
+        <p14:creationId xmlns:p14="http://schemas.microsoft.com/office/powerpoint/2010/main" val="249048012"/>
+      </p:ext>
+    </p:extLst>
+  </p:cSld>
+  <p:clrMapOvr>
+    <a:masterClrMapping/>
+  </p:clrMapOvr>
+  <p:timing>
+    <p:tnLst>
+      <p:par>
+        <p:cTn id="1" dur="indefinite" restart="never" nodeType="tmRoot"/>
+      </p:par>
+    </p:tnLst>
+  </p:timing>
+</p:sld>
+</file>
+
+<file path=ppt/slides/slide13.xml><?xml version="1.0" encoding="utf-8"?>
+<p:sld xmlns:a="http://schemas.openxmlformats.org/drawingml/2006/main" xmlns:r="http://schemas.openxmlformats.org/officeDocument/2006/relationships" xmlns:p="http://schemas.openxmlformats.org/presentationml/2006/main">
+  <p:cSld>
+    <p:spTree>
+      <p:nvGrpSpPr>
+        <p:cNvPr id="1" name=""/>
+        <p:cNvGrpSpPr/>
+        <p:nvPr/>
+      </p:nvGrpSpPr>
+      <p:grpSpPr>
+        <a:xfrm>
+          <a:off x="0" y="0"/>
+          <a:ext cx="0" cy="0"/>
+          <a:chOff x="0" y="0"/>
+          <a:chExt cx="0" cy="0"/>
+        </a:xfrm>
+      </p:grpSpPr>
+      <p:pic>
+        <p:nvPicPr>
+          <p:cNvPr id="2" name="Picture 1"/>
+          <p:cNvPicPr>
+            <a:picLocks noChangeAspect="1"/>
+          </p:cNvPicPr>
+          <p:nvPr/>
+        </p:nvPicPr>
+        <p:blipFill>
+          <a:blip r:embed="rId2">
+            <a:extLst>
+              <a:ext uri="{28A0092B-C50C-407E-A947-70E740481C1C}">
+                <a14:useLocalDpi xmlns:a14="http://schemas.microsoft.com/office/drawing/2010/main" val="0"/>
+              </a:ext>
+            </a:extLst>
+          </a:blip>
+          <a:stretch>
+            <a:fillRect/>
+          </a:stretch>
+        </p:blipFill>
+        <p:spPr>
+          <a:xfrm>
+            <a:off x="0" y="0"/>
+            <a:ext cx="12192000" cy="6858000"/>
+          </a:xfrm>
+          <a:prstGeom prst="rect">
+            <a:avLst/>
+          </a:prstGeom>
+        </p:spPr>
+      </p:pic>
+    </p:spTree>
+    <p:extLst>
+      <p:ext uri="{BB962C8B-B14F-4D97-AF65-F5344CB8AC3E}">
+        <p14:creationId xmlns:p14="http://schemas.microsoft.com/office/powerpoint/2010/main" val="1273383408"/>
+      </p:ext>
+    </p:extLst>
+  </p:cSld>
+  <p:clrMapOvr>
+    <a:masterClrMapping/>
+  </p:clrMapOvr>
+  <mc:AlternateContent xmlns:mc="http://schemas.openxmlformats.org/markup-compatibility/2006" xmlns:p14="http://schemas.microsoft.com/office/powerpoint/2010/main">
+    <mc:Choice Requires="p14">
+      <p:transition spd="med" p14:dur="700">
+        <p:fade/>
+      </p:transition>
+    </mc:Choice>
+    <mc:Fallback xmlns="">
+      <p:transition spd="med">
+        <p:fade/>
+      </p:transition>
+    </mc:Fallback>
+  </mc:AlternateContent>
+  <p:timing>
+    <p:tnLst>
+      <p:par>
+        <p:cTn id="1" dur="indefinite" restart="never" nodeType="tmRoot"/>
+      </p:par>
+    </p:tnLst>
+  </p:timing>
+</p:sld>
+</file>
+
+<file path=ppt/slides/slide14.xml><?xml version="1.0" encoding="utf-8"?>
+<p:sld xmlns:a="http://schemas.openxmlformats.org/drawingml/2006/main" xmlns:r="http://schemas.openxmlformats.org/officeDocument/2006/relationships" xmlns:p="http://schemas.openxmlformats.org/presentationml/2006/main">
+  <p:cSld>
+    <p:spTree>
+      <p:nvGrpSpPr>
+        <p:cNvPr id="1" name=""/>
+        <p:cNvGrpSpPr/>
+        <p:nvPr/>
+      </p:nvGrpSpPr>
+      <p:grpSpPr>
+        <a:xfrm>
+          <a:off x="0" y="0"/>
+          <a:ext cx="0" cy="0"/>
+          <a:chOff x="0" y="0"/>
+          <a:chExt cx="0" cy="0"/>
+        </a:xfrm>
+      </p:grpSpPr>
+      <p:pic>
+        <p:nvPicPr>
+          <p:cNvPr id="2" name="Picture 1"/>
+          <p:cNvPicPr>
+            <a:picLocks noChangeAspect="1"/>
+          </p:cNvPicPr>
+          <p:nvPr/>
+        </p:nvPicPr>
+        <p:blipFill>
+          <a:blip r:embed="rId2">
+            <a:extLst>
+              <a:ext uri="{28A0092B-C50C-407E-A947-70E740481C1C}">
+                <a14:useLocalDpi xmlns:a14="http://schemas.microsoft.com/office/drawing/2010/main" val="0"/>
+              </a:ext>
+            </a:extLst>
+          </a:blip>
+          <a:stretch>
+            <a:fillRect/>
+          </a:stretch>
+        </p:blipFill>
+        <p:spPr>
+          <a:xfrm>
+            <a:off x="0" y="0"/>
+            <a:ext cx="12192000" cy="6858000"/>
+          </a:xfrm>
+          <a:prstGeom prst="rect">
+            <a:avLst/>
+          </a:prstGeom>
+        </p:spPr>
+      </p:pic>
+    </p:spTree>
+    <p:extLst>
+      <p:ext uri="{BB962C8B-B14F-4D97-AF65-F5344CB8AC3E}">
+        <p14:creationId xmlns:p14="http://schemas.microsoft.com/office/powerpoint/2010/main" val="2080395901"/>
+      </p:ext>
+    </p:extLst>
+  </p:cSld>
+  <p:clrMapOvr>
+    <a:masterClrMapping/>
+  </p:clrMapOvr>
+  <mc:AlternateContent xmlns:mc="http://schemas.openxmlformats.org/markup-compatibility/2006" xmlns:p14="http://schemas.microsoft.com/office/powerpoint/2010/main">
+    <mc:Choice Requires="p14">
+      <p:transition spd="med" p14:dur="700">
+        <p:fade/>
+      </p:transition>
+    </mc:Choice>
+    <mc:Fallback xmlns="">
+      <p:transition spd="med">
+        <p:fade/>
+      </p:transition>
+    </mc:Fallback>
+  </mc:AlternateContent>
+  <p:timing>
+    <p:tnLst>
+      <p:par>
+        <p:cTn id="1" dur="indefinite" restart="never" nodeType="tmRoot"/>
+      </p:par>
+    </p:tnLst>
+  </p:timing>
+</p:sld>
+</file>
+
+<file path=ppt/slides/slide15.xml><?xml version="1.0" encoding="utf-8"?>
+<p:sld xmlns:a="http://schemas.openxmlformats.org/drawingml/2006/main" xmlns:r="http://schemas.openxmlformats.org/officeDocument/2006/relationships" xmlns:p="http://schemas.openxmlformats.org/presentationml/2006/main">
+  <p:cSld>
+    <p:spTree>
+      <p:nvGrpSpPr>
+        <p:cNvPr id="1" name=""/>
+        <p:cNvGrpSpPr/>
+        <p:nvPr/>
+      </p:nvGrpSpPr>
+      <p:grpSpPr>
+        <a:xfrm>
+          <a:off x="0" y="0"/>
+          <a:ext cx="0" cy="0"/>
+          <a:chOff x="0" y="0"/>
+          <a:chExt cx="0" cy="0"/>
+        </a:xfrm>
+      </p:grpSpPr>
+      <p:pic>
+        <p:nvPicPr>
+          <p:cNvPr id="2" name="Picture 1"/>
+          <p:cNvPicPr>
+            <a:picLocks noChangeAspect="1"/>
+          </p:cNvPicPr>
+          <p:nvPr/>
+        </p:nvPicPr>
+        <p:blipFill>
+          <a:blip r:embed="rId2">
+            <a:extLst>
+              <a:ext uri="{28A0092B-C50C-407E-A947-70E740481C1C}">
+                <a14:useLocalDpi xmlns:a14="http://schemas.microsoft.com/office/drawing/2010/main" val="0"/>
+              </a:ext>
+            </a:extLst>
+          </a:blip>
+          <a:stretch>
+            <a:fillRect/>
+          </a:stretch>
+        </p:blipFill>
+        <p:spPr>
+          <a:xfrm>
+            <a:off x="0" y="0"/>
+            <a:ext cx="12192000" cy="6858000"/>
+          </a:xfrm>
+          <a:prstGeom prst="rect">
+            <a:avLst/>
+          </a:prstGeom>
+        </p:spPr>
+      </p:pic>
+    </p:spTree>
+    <p:extLst>
+      <p:ext uri="{BB962C8B-B14F-4D97-AF65-F5344CB8AC3E}">
+        <p14:creationId xmlns:p14="http://schemas.microsoft.com/office/powerpoint/2010/main" val="2032651300"/>
+      </p:ext>
+    </p:extLst>
+  </p:cSld>
+  <p:clrMapOvr>
+    <a:masterClrMapping/>
+  </p:clrMapOvr>
+  <mc:AlternateContent xmlns:mc="http://schemas.openxmlformats.org/markup-compatibility/2006" xmlns:p14="http://schemas.microsoft.com/office/powerpoint/2010/main">
+    <mc:Choice Requires="p14">
+      <p:transition spd="med" p14:dur="700">
+        <p:fade/>
+      </p:transition>
+    </mc:Choice>
+    <mc:Fallback xmlns="">
       <p:transition spd="med">
         <p:fade/>
       </p:transition>
@@ -3091,13 +4929,13 @@
   <p:clrMapOvr>
     <a:masterClrMapping/>
   </p:clrMapOvr>
-  <mc:AlternateContent xmlns:mc="http://schemas.openxmlformats.org/markup-compatibility/2006">
-    <mc:Choice xmlns:p14="http://schemas.microsoft.com/office/powerpoint/2010/main" Requires="p14">
+  <mc:AlternateContent xmlns:mc="http://schemas.openxmlformats.org/markup-compatibility/2006" xmlns:p14="http://schemas.microsoft.com/office/powerpoint/2010/main">
+    <mc:Choice Requires="p14">
       <p:transition spd="med" p14:dur="700">
         <p:fade/>
       </p:transition>
     </mc:Choice>
-    <mc:Fallback>
+    <mc:Fallback xmlns="">
       <p:transition spd="med">
         <p:fade/>
       </p:transition>
@@ -3170,13 +5008,13 @@
   <p:clrMapOvr>
     <a:masterClrMapping/>
   </p:clrMapOvr>
-  <mc:AlternateContent xmlns:mc="http://schemas.openxmlformats.org/markup-compatibility/2006">
-    <mc:Choice xmlns:p14="http://schemas.microsoft.com/office/powerpoint/2010/main" Requires="p14">
+  <mc:AlternateContent xmlns:mc="http://schemas.openxmlformats.org/markup-compatibility/2006" xmlns:p14="http://schemas.microsoft.com/office/powerpoint/2010/main">
+    <mc:Choice Requires="p14">
       <p:transition spd="med" p14:dur="700">
         <p:fade/>
       </p:transition>
     </mc:Choice>
-    <mc:Fallback>
+    <mc:Fallback xmlns="">
       <p:transition spd="med">
         <p:fade/>
       </p:transition>
@@ -3249,13 +5087,13 @@
   <p:clrMapOvr>
     <a:masterClrMapping/>
   </p:clrMapOvr>
-  <mc:AlternateContent xmlns:mc="http://schemas.openxmlformats.org/markup-compatibility/2006">
-    <mc:Choice xmlns:p14="http://schemas.microsoft.com/office/powerpoint/2010/main" Requires="p14">
+  <mc:AlternateContent xmlns:mc="http://schemas.openxmlformats.org/markup-compatibility/2006" xmlns:p14="http://schemas.microsoft.com/office/powerpoint/2010/main">
+    <mc:Choice Requires="p14">
       <p:transition spd="med" p14:dur="700">
         <p:fade/>
       </p:transition>
     </mc:Choice>
-    <mc:Fallback>
+    <mc:Fallback xmlns="">
       <p:transition spd="med">
         <p:fade/>
       </p:transition>
@@ -3328,13 +5166,13 @@
   <p:clrMapOvr>
     <a:masterClrMapping/>
   </p:clrMapOvr>
-  <mc:AlternateContent xmlns:mc="http://schemas.openxmlformats.org/markup-compatibility/2006">
-    <mc:Choice xmlns:p14="http://schemas.microsoft.com/office/powerpoint/2010/main" Requires="p14">
+  <mc:AlternateContent xmlns:mc="http://schemas.openxmlformats.org/markup-compatibility/2006" xmlns:p14="http://schemas.microsoft.com/office/powerpoint/2010/main">
+    <mc:Choice Requires="p14">
       <p:transition spd="med" p14:dur="700">
         <p:fade/>
       </p:transition>
     </mc:Choice>
-    <mc:Fallback>
+    <mc:Fallback xmlns="">
       <p:transition spd="med">
         <p:fade/>
       </p:transition>
@@ -3407,13 +5245,13 @@
   <p:clrMapOvr>
     <a:masterClrMapping/>
   </p:clrMapOvr>
-  <mc:AlternateContent xmlns:mc="http://schemas.openxmlformats.org/markup-compatibility/2006">
-    <mc:Choice xmlns:p14="http://schemas.microsoft.com/office/powerpoint/2010/main" Requires="p14">
+  <mc:AlternateContent xmlns:mc="http://schemas.openxmlformats.org/markup-compatibility/2006" xmlns:p14="http://schemas.microsoft.com/office/powerpoint/2010/main">
+    <mc:Choice Requires="p14">
       <p:transition spd="med" p14:dur="700">
         <p:fade/>
       </p:transition>
     </mc:Choice>
-    <mc:Fallback>
+    <mc:Fallback xmlns="">
       <p:transition spd="med">
         <p:fade/>
       </p:transition>
@@ -3479,20 +5317,20 @@
     </p:spTree>
     <p:extLst>
       <p:ext uri="{BB962C8B-B14F-4D97-AF65-F5344CB8AC3E}">
-        <p14:creationId xmlns:p14="http://schemas.microsoft.com/office/powerpoint/2010/main" val="1273383408"/>
+        <p14:creationId xmlns:p14="http://schemas.microsoft.com/office/powerpoint/2010/main" val="3072401138"/>
       </p:ext>
     </p:extLst>
   </p:cSld>
   <p:clrMapOvr>
     <a:masterClrMapping/>
   </p:clrMapOvr>
-  <mc:AlternateContent xmlns:mc="http://schemas.openxmlformats.org/markup-compatibility/2006">
-    <mc:Choice xmlns:p14="http://schemas.microsoft.com/office/powerpoint/2010/main" Requires="p14">
+  <mc:AlternateContent xmlns:mc="http://schemas.openxmlformats.org/markup-compatibility/2006" xmlns:p14="http://schemas.microsoft.com/office/powerpoint/2010/main">
+    <mc:Choice Requires="p14">
       <p:transition spd="med" p14:dur="700">
         <p:fade/>
       </p:transition>
     </mc:Choice>
-    <mc:Fallback>
+    <mc:Fallback xmlns="">
       <p:transition spd="med">
         <p:fade/>
       </p:transition>
@@ -3525,58 +5363,557 @@
           <a:chExt cx="0" cy="0"/>
         </a:xfrm>
       </p:grpSpPr>
-      <p:pic>
-        <p:nvPicPr>
-          <p:cNvPr id="2" name="Picture 1"/>
-          <p:cNvPicPr>
-            <a:picLocks noChangeAspect="1"/>
-          </p:cNvPicPr>
-          <p:nvPr/>
-        </p:nvPicPr>
-        <p:blipFill>
-          <a:blip r:embed="rId2">
-            <a:extLst>
-              <a:ext uri="{28A0092B-C50C-407E-A947-70E740481C1C}">
-                <a14:useLocalDpi xmlns:a14="http://schemas.microsoft.com/office/drawing/2010/main" val="0"/>
-              </a:ext>
-            </a:extLst>
-          </a:blip>
-          <a:stretch>
-            <a:fillRect/>
-          </a:stretch>
-        </p:blipFill>
-        <p:spPr>
-          <a:xfrm>
-            <a:off x="0" y="0"/>
-            <a:ext cx="12192000" cy="6858000"/>
-          </a:xfrm>
-          <a:prstGeom prst="rect">
-            <a:avLst/>
-          </a:prstGeom>
-        </p:spPr>
-      </p:pic>
+      <p:sp>
+        <p:nvSpPr>
+          <p:cNvPr id="2" name="Title 1"/>
+          <p:cNvSpPr>
+            <a:spLocks noGrp="1"/>
+          </p:cNvSpPr>
+          <p:nvPr>
+            <p:ph type="title"/>
+          </p:nvPr>
+        </p:nvSpPr>
+        <p:spPr/>
+        <p:txBody>
+          <a:bodyPr/>
+          <a:lstStyle/>
+          <a:p>
+            <a:r>
+              <a:rPr lang="en-US" dirty="0" smtClean="0"/>
+              <a:t>Tables</a:t>
+            </a:r>
+            <a:endParaRPr lang="en-US" dirty="0"/>
+          </a:p>
+        </p:txBody>
+      </p:sp>
+      <p:graphicFrame>
+        <p:nvGraphicFramePr>
+          <p:cNvPr id="7" name="Content Placeholder 6"/>
+          <p:cNvGraphicFramePr>
+            <a:graphicFrameLocks noGrp="1"/>
+          </p:cNvGraphicFramePr>
+          <p:nvPr>
+            <p:ph sz="half" idx="1"/>
+            <p:extLst>
+              <p:ext uri="{D42A27DB-BD31-4B8C-83A1-F6EECF244321}">
+                <p14:modId xmlns:p14="http://schemas.microsoft.com/office/powerpoint/2010/main" val="340130780"/>
+              </p:ext>
+            </p:extLst>
+          </p:nvPr>
+        </p:nvGraphicFramePr>
+        <p:xfrm>
+          <a:off x="838200" y="1825623"/>
+          <a:ext cx="4331676" cy="2851884"/>
+        </p:xfrm>
+        <a:graphic>
+          <a:graphicData uri="http://schemas.openxmlformats.org/drawingml/2006/table">
+            <a:tbl>
+              <a:tblPr firstRow="1" bandRow="1">
+                <a:tableStyleId>{5C22544A-7EE6-4342-B048-85BDC9FD1C3A}</a:tableStyleId>
+              </a:tblPr>
+              <a:tblGrid>
+                <a:gridCol w="1443892"/>
+                <a:gridCol w="1443892"/>
+                <a:gridCol w="1443892"/>
+              </a:tblGrid>
+              <a:tr h="712971">
+                <a:tc gridSpan="3">
+                  <a:txBody>
+                    <a:bodyPr/>
+                    <a:lstStyle/>
+                    <a:p>
+                      <a:r>
+                        <a:rPr lang="en-US" sz="2400" dirty="0" smtClean="0"/>
+                        <a:t>Users</a:t>
+                      </a:r>
+                      <a:endParaRPr lang="en-US" sz="2400" dirty="0"/>
+                    </a:p>
+                  </a:txBody>
+                  <a:tcPr/>
+                </a:tc>
+                <a:tc hMerge="1">
+                  <a:txBody>
+                    <a:bodyPr/>
+                    <a:lstStyle/>
+                    <a:p>
+                      <a:endParaRPr lang="en-US" dirty="0"/>
+                    </a:p>
+                  </a:txBody>
+                  <a:tcPr/>
+                </a:tc>
+                <a:tc hMerge="1">
+                  <a:txBody>
+                    <a:bodyPr/>
+                    <a:lstStyle/>
+                    <a:p>
+                      <a:endParaRPr lang="en-US" dirty="0"/>
+                    </a:p>
+                  </a:txBody>
+                  <a:tcPr/>
+                </a:tc>
+              </a:tr>
+              <a:tr h="712971">
+                <a:tc>
+                  <a:txBody>
+                    <a:bodyPr/>
+                    <a:lstStyle/>
+                    <a:p>
+                      <a:r>
+                        <a:rPr lang="en-US" sz="2400" dirty="0" smtClean="0"/>
+                        <a:t>Id</a:t>
+                      </a:r>
+                      <a:endParaRPr lang="en-US" sz="2400" dirty="0"/>
+                    </a:p>
+                  </a:txBody>
+                  <a:tcPr/>
+                </a:tc>
+                <a:tc>
+                  <a:txBody>
+                    <a:bodyPr/>
+                    <a:lstStyle/>
+                    <a:p>
+                      <a:r>
+                        <a:rPr lang="en-US" sz="2400" dirty="0" smtClean="0"/>
+                        <a:t>Email</a:t>
+                      </a:r>
+                      <a:endParaRPr lang="en-US" sz="2400" dirty="0"/>
+                    </a:p>
+                  </a:txBody>
+                  <a:tcPr/>
+                </a:tc>
+                <a:tc>
+                  <a:txBody>
+                    <a:bodyPr/>
+                    <a:lstStyle/>
+                    <a:p>
+                      <a:r>
+                        <a:rPr lang="en-US" sz="2400" dirty="0" smtClean="0"/>
+                        <a:t>Password</a:t>
+                      </a:r>
+                      <a:endParaRPr lang="en-US" sz="2400" dirty="0"/>
+                    </a:p>
+                  </a:txBody>
+                  <a:tcPr/>
+                </a:tc>
+              </a:tr>
+              <a:tr h="712971">
+                <a:tc>
+                  <a:txBody>
+                    <a:bodyPr/>
+                    <a:lstStyle/>
+                    <a:p>
+                      <a:r>
+                        <a:rPr lang="en-US" sz="2400" dirty="0" smtClean="0"/>
+                        <a:t>1</a:t>
+                      </a:r>
+                      <a:endParaRPr lang="en-US" sz="2400" dirty="0"/>
+                    </a:p>
+                  </a:txBody>
+                  <a:tcPr/>
+                </a:tc>
+                <a:tc>
+                  <a:txBody>
+                    <a:bodyPr/>
+                    <a:lstStyle/>
+                    <a:p>
+                      <a:endParaRPr lang="en-US" sz="2400"/>
+                    </a:p>
+                  </a:txBody>
+                  <a:tcPr/>
+                </a:tc>
+                <a:tc>
+                  <a:txBody>
+                    <a:bodyPr/>
+                    <a:lstStyle/>
+                    <a:p>
+                      <a:endParaRPr lang="en-US" sz="2400" dirty="0"/>
+                    </a:p>
+                  </a:txBody>
+                  <a:tcPr/>
+                </a:tc>
+              </a:tr>
+              <a:tr h="712971">
+                <a:tc>
+                  <a:txBody>
+                    <a:bodyPr/>
+                    <a:lstStyle/>
+                    <a:p>
+                      <a:r>
+                        <a:rPr lang="en-US" sz="2400" dirty="0" smtClean="0"/>
+                        <a:t>2</a:t>
+                      </a:r>
+                      <a:endParaRPr lang="en-US" sz="2400" dirty="0"/>
+                    </a:p>
+                  </a:txBody>
+                  <a:tcPr/>
+                </a:tc>
+                <a:tc>
+                  <a:txBody>
+                    <a:bodyPr/>
+                    <a:lstStyle/>
+                    <a:p>
+                      <a:endParaRPr lang="en-US" sz="2400"/>
+                    </a:p>
+                  </a:txBody>
+                  <a:tcPr/>
+                </a:tc>
+                <a:tc>
+                  <a:txBody>
+                    <a:bodyPr/>
+                    <a:lstStyle/>
+                    <a:p>
+                      <a:endParaRPr lang="en-US" sz="2400" dirty="0"/>
+                    </a:p>
+                  </a:txBody>
+                  <a:tcPr/>
+                </a:tc>
+              </a:tr>
+            </a:tbl>
+          </a:graphicData>
+        </a:graphic>
+      </p:graphicFrame>
+      <p:graphicFrame>
+        <p:nvGraphicFramePr>
+          <p:cNvPr id="8" name="Content Placeholder 7"/>
+          <p:cNvGraphicFramePr>
+            <a:graphicFrameLocks noGrp="1"/>
+          </p:cNvGraphicFramePr>
+          <p:nvPr>
+            <p:ph sz="half" idx="2"/>
+            <p:extLst>
+              <p:ext uri="{D42A27DB-BD31-4B8C-83A1-F6EECF244321}">
+                <p14:modId xmlns:p14="http://schemas.microsoft.com/office/powerpoint/2010/main" val="4279451352"/>
+              </p:ext>
+            </p:extLst>
+          </p:nvPr>
+        </p:nvGraphicFramePr>
+        <p:xfrm>
+          <a:off x="5416061" y="1825625"/>
+          <a:ext cx="5937740" cy="3748698"/>
+        </p:xfrm>
+        <a:graphic>
+          <a:graphicData uri="http://schemas.openxmlformats.org/drawingml/2006/table">
+            <a:tbl>
+              <a:tblPr firstRow="1" bandRow="1">
+                <a:tableStyleId>{21E4AEA4-8DFA-4A89-87EB-49C32662AFE0}</a:tableStyleId>
+              </a:tblPr>
+              <a:tblGrid>
+                <a:gridCol w="914401"/>
+                <a:gridCol w="967153"/>
+                <a:gridCol w="1213339"/>
+                <a:gridCol w="1655299"/>
+                <a:gridCol w="1187548"/>
+              </a:tblGrid>
+              <a:tr h="654677">
+                <a:tc gridSpan="5">
+                  <a:txBody>
+                    <a:bodyPr/>
+                    <a:lstStyle/>
+                    <a:p>
+                      <a:r>
+                        <a:rPr lang="en-US" sz="2800" dirty="0" smtClean="0"/>
+                        <a:t>Books</a:t>
+                      </a:r>
+                      <a:endParaRPr lang="en-US" sz="2800" dirty="0"/>
+                    </a:p>
+                  </a:txBody>
+                  <a:tcPr/>
+                </a:tc>
+                <a:tc hMerge="1">
+                  <a:txBody>
+                    <a:bodyPr/>
+                    <a:lstStyle/>
+                    <a:p>
+                      <a:endParaRPr lang="en-US" dirty="0"/>
+                    </a:p>
+                  </a:txBody>
+                  <a:tcPr/>
+                </a:tc>
+                <a:tc hMerge="1">
+                  <a:txBody>
+                    <a:bodyPr/>
+                    <a:lstStyle/>
+                    <a:p>
+                      <a:endParaRPr lang="en-US" dirty="0"/>
+                    </a:p>
+                  </a:txBody>
+                  <a:tcPr/>
+                </a:tc>
+                <a:tc hMerge="1">
+                  <a:txBody>
+                    <a:bodyPr/>
+                    <a:lstStyle/>
+                    <a:p>
+                      <a:endParaRPr lang="en-US" dirty="0"/>
+                    </a:p>
+                  </a:txBody>
+                  <a:tcPr/>
+                </a:tc>
+                <a:tc hMerge="1">
+                  <a:txBody>
+                    <a:bodyPr/>
+                    <a:lstStyle/>
+                    <a:p>
+                      <a:endParaRPr lang="en-US" dirty="0"/>
+                    </a:p>
+                  </a:txBody>
+                  <a:tcPr/>
+                </a:tc>
+              </a:tr>
+              <a:tr h="1129990">
+                <a:tc>
+                  <a:txBody>
+                    <a:bodyPr/>
+                    <a:lstStyle/>
+                    <a:p>
+                      <a:r>
+                        <a:rPr lang="en-US" sz="2800" dirty="0" smtClean="0"/>
+                        <a:t>Id</a:t>
+                      </a:r>
+                      <a:endParaRPr lang="en-US" sz="2800" dirty="0"/>
+                    </a:p>
+                  </a:txBody>
+                  <a:tcPr/>
+                </a:tc>
+                <a:tc>
+                  <a:txBody>
+                    <a:bodyPr/>
+                    <a:lstStyle/>
+                    <a:p>
+                      <a:r>
+                        <a:rPr lang="en-US" sz="2800" dirty="0" smtClean="0"/>
+                        <a:t>Title</a:t>
+                      </a:r>
+                      <a:endParaRPr lang="en-US" sz="2800" dirty="0"/>
+                    </a:p>
+                  </a:txBody>
+                  <a:tcPr/>
+                </a:tc>
+                <a:tc>
+                  <a:txBody>
+                    <a:bodyPr/>
+                    <a:lstStyle/>
+                    <a:p>
+                      <a:r>
+                        <a:rPr lang="en-US" sz="2800" dirty="0" smtClean="0"/>
+                        <a:t>Author</a:t>
+                      </a:r>
+                      <a:endParaRPr lang="en-US" sz="2800" dirty="0"/>
+                    </a:p>
+                  </a:txBody>
+                  <a:tcPr/>
+                </a:tc>
+                <a:tc>
+                  <a:txBody>
+                    <a:bodyPr/>
+                    <a:lstStyle/>
+                    <a:p>
+                      <a:r>
+                        <a:rPr lang="en-US" sz="2400" dirty="0" smtClean="0"/>
+                        <a:t>Description</a:t>
+                      </a:r>
+                      <a:endParaRPr lang="en-US" sz="2400" dirty="0"/>
+                    </a:p>
+                  </a:txBody>
+                  <a:tcPr/>
+                </a:tc>
+                <a:tc>
+                  <a:txBody>
+                    <a:bodyPr/>
+                    <a:lstStyle/>
+                    <a:p>
+                      <a:r>
+                        <a:rPr lang="en-US" sz="1800" dirty="0" smtClean="0"/>
+                        <a:t>Thumbnail</a:t>
+                      </a:r>
+                      <a:endParaRPr lang="en-US" sz="1800" dirty="0"/>
+                    </a:p>
+                  </a:txBody>
+                  <a:tcPr/>
+                </a:tc>
+              </a:tr>
+              <a:tr h="654677">
+                <a:tc>
+                  <a:txBody>
+                    <a:bodyPr/>
+                    <a:lstStyle/>
+                    <a:p>
+                      <a:r>
+                        <a:rPr lang="en-US" sz="2800" dirty="0" smtClean="0"/>
+                        <a:t>1</a:t>
+                      </a:r>
+                      <a:endParaRPr lang="en-US" sz="2800" dirty="0"/>
+                    </a:p>
+                  </a:txBody>
+                  <a:tcPr/>
+                </a:tc>
+                <a:tc>
+                  <a:txBody>
+                    <a:bodyPr/>
+                    <a:lstStyle/>
+                    <a:p>
+                      <a:endParaRPr lang="en-US" sz="2800"/>
+                    </a:p>
+                  </a:txBody>
+                  <a:tcPr/>
+                </a:tc>
+                <a:tc>
+                  <a:txBody>
+                    <a:bodyPr/>
+                    <a:lstStyle/>
+                    <a:p>
+                      <a:endParaRPr lang="en-US" sz="2800" dirty="0"/>
+                    </a:p>
+                  </a:txBody>
+                  <a:tcPr/>
+                </a:tc>
+                <a:tc>
+                  <a:txBody>
+                    <a:bodyPr/>
+                    <a:lstStyle/>
+                    <a:p>
+                      <a:endParaRPr lang="en-US" sz="2800"/>
+                    </a:p>
+                  </a:txBody>
+                  <a:tcPr/>
+                </a:tc>
+                <a:tc>
+                  <a:txBody>
+                    <a:bodyPr/>
+                    <a:lstStyle/>
+                    <a:p>
+                      <a:endParaRPr lang="en-US" sz="2800"/>
+                    </a:p>
+                  </a:txBody>
+                  <a:tcPr/>
+                </a:tc>
+              </a:tr>
+              <a:tr h="654677">
+                <a:tc>
+                  <a:txBody>
+                    <a:bodyPr/>
+                    <a:lstStyle/>
+                    <a:p>
+                      <a:r>
+                        <a:rPr lang="en-US" sz="2800" dirty="0" smtClean="0"/>
+                        <a:t>2</a:t>
+                      </a:r>
+                      <a:endParaRPr lang="en-US" sz="2800" dirty="0"/>
+                    </a:p>
+                  </a:txBody>
+                  <a:tcPr/>
+                </a:tc>
+                <a:tc>
+                  <a:txBody>
+                    <a:bodyPr/>
+                    <a:lstStyle/>
+                    <a:p>
+                      <a:endParaRPr lang="en-US" sz="2800"/>
+                    </a:p>
+                  </a:txBody>
+                  <a:tcPr/>
+                </a:tc>
+                <a:tc>
+                  <a:txBody>
+                    <a:bodyPr/>
+                    <a:lstStyle/>
+                    <a:p>
+                      <a:endParaRPr lang="en-US" sz="2800"/>
+                    </a:p>
+                  </a:txBody>
+                  <a:tcPr/>
+                </a:tc>
+                <a:tc>
+                  <a:txBody>
+                    <a:bodyPr/>
+                    <a:lstStyle/>
+                    <a:p>
+                      <a:endParaRPr lang="en-US" sz="2800"/>
+                    </a:p>
+                  </a:txBody>
+                  <a:tcPr/>
+                </a:tc>
+                <a:tc>
+                  <a:txBody>
+                    <a:bodyPr/>
+                    <a:lstStyle/>
+                    <a:p>
+                      <a:endParaRPr lang="en-US" sz="2800"/>
+                    </a:p>
+                  </a:txBody>
+                  <a:tcPr/>
+                </a:tc>
+              </a:tr>
+              <a:tr h="654677">
+                <a:tc>
+                  <a:txBody>
+                    <a:bodyPr/>
+                    <a:lstStyle/>
+                    <a:p>
+                      <a:r>
+                        <a:rPr lang="en-US" sz="2800" dirty="0" smtClean="0"/>
+                        <a:t>3</a:t>
+                      </a:r>
+                      <a:endParaRPr lang="en-US" sz="2800" dirty="0"/>
+                    </a:p>
+                  </a:txBody>
+                  <a:tcPr/>
+                </a:tc>
+                <a:tc>
+                  <a:txBody>
+                    <a:bodyPr/>
+                    <a:lstStyle/>
+                    <a:p>
+                      <a:endParaRPr lang="en-US" sz="2800"/>
+                    </a:p>
+                  </a:txBody>
+                  <a:tcPr/>
+                </a:tc>
+                <a:tc>
+                  <a:txBody>
+                    <a:bodyPr/>
+                    <a:lstStyle/>
+                    <a:p>
+                      <a:endParaRPr lang="en-US" sz="2800"/>
+                    </a:p>
+                  </a:txBody>
+                  <a:tcPr/>
+                </a:tc>
+                <a:tc>
+                  <a:txBody>
+                    <a:bodyPr/>
+                    <a:lstStyle/>
+                    <a:p>
+                      <a:endParaRPr lang="en-US" sz="2800"/>
+                    </a:p>
+                  </a:txBody>
+                  <a:tcPr/>
+                </a:tc>
+                <a:tc>
+                  <a:txBody>
+                    <a:bodyPr/>
+                    <a:lstStyle/>
+                    <a:p>
+                      <a:endParaRPr lang="en-US" sz="2800" dirty="0"/>
+                    </a:p>
+                  </a:txBody>
+                  <a:tcPr/>
+                </a:tc>
+              </a:tr>
+            </a:tbl>
+          </a:graphicData>
+        </a:graphic>
+      </p:graphicFrame>
     </p:spTree>
     <p:extLst>
       <p:ext uri="{BB962C8B-B14F-4D97-AF65-F5344CB8AC3E}">
-        <p14:creationId xmlns:p14="http://schemas.microsoft.com/office/powerpoint/2010/main" val="2080395901"/>
+        <p14:creationId xmlns:p14="http://schemas.microsoft.com/office/powerpoint/2010/main" val="1256494109"/>
       </p:ext>
     </p:extLst>
   </p:cSld>
   <p:clrMapOvr>
     <a:masterClrMapping/>
   </p:clrMapOvr>
-  <mc:AlternateContent xmlns:mc="http://schemas.openxmlformats.org/markup-compatibility/2006">
-    <mc:Choice xmlns:p14="http://schemas.microsoft.com/office/powerpoint/2010/main" Requires="p14">
-      <p:transition spd="med" p14:dur="700">
-        <p:fade/>
-      </p:transition>
-    </mc:Choice>
-    <mc:Fallback>
-      <p:transition spd="med">
-        <p:fade/>
-      </p:transition>
-    </mc:Fallback>
-  </mc:AlternateContent>
   <p:timing>
     <p:tnLst>
       <p:par>
@@ -3604,58 +5941,479 @@
           <a:chExt cx="0" cy="0"/>
         </a:xfrm>
       </p:grpSpPr>
-      <p:pic>
-        <p:nvPicPr>
-          <p:cNvPr id="2" name="Picture 1"/>
-          <p:cNvPicPr>
-            <a:picLocks noChangeAspect="1"/>
-          </p:cNvPicPr>
-          <p:nvPr/>
-        </p:nvPicPr>
-        <p:blipFill>
-          <a:blip r:embed="rId2">
-            <a:extLst>
-              <a:ext uri="{28A0092B-C50C-407E-A947-70E740481C1C}">
-                <a14:useLocalDpi xmlns:a14="http://schemas.microsoft.com/office/drawing/2010/main" val="0"/>
-              </a:ext>
-            </a:extLst>
-          </a:blip>
-          <a:stretch>
-            <a:fillRect/>
-          </a:stretch>
-        </p:blipFill>
-        <p:spPr>
-          <a:xfrm>
-            <a:off x="0" y="0"/>
-            <a:ext cx="12192000" cy="6858000"/>
-          </a:xfrm>
-          <a:prstGeom prst="rect">
-            <a:avLst/>
-          </a:prstGeom>
-        </p:spPr>
-      </p:pic>
+      <p:sp>
+        <p:nvSpPr>
+          <p:cNvPr id="2" name="Title 1"/>
+          <p:cNvSpPr>
+            <a:spLocks noGrp="1"/>
+          </p:cNvSpPr>
+          <p:nvPr>
+            <p:ph type="title"/>
+          </p:nvPr>
+        </p:nvSpPr>
+        <p:spPr/>
+        <p:txBody>
+          <a:bodyPr/>
+          <a:lstStyle/>
+          <a:p>
+            <a:endParaRPr lang="en-US"/>
+          </a:p>
+        </p:txBody>
+      </p:sp>
+      <p:graphicFrame>
+        <p:nvGraphicFramePr>
+          <p:cNvPr id="5" name="Content Placeholder 4"/>
+          <p:cNvGraphicFramePr>
+            <a:graphicFrameLocks noGrp="1"/>
+          </p:cNvGraphicFramePr>
+          <p:nvPr>
+            <p:ph sz="half" idx="1"/>
+            <p:extLst>
+              <p:ext uri="{D42A27DB-BD31-4B8C-83A1-F6EECF244321}">
+                <p14:modId xmlns:p14="http://schemas.microsoft.com/office/powerpoint/2010/main" val="2206942115"/>
+              </p:ext>
+            </p:extLst>
+          </p:nvPr>
+        </p:nvGraphicFramePr>
+        <p:xfrm>
+          <a:off x="1096963" y="1846263"/>
+          <a:ext cx="4938711" cy="2590800"/>
+        </p:xfrm>
+        <a:graphic>
+          <a:graphicData uri="http://schemas.openxmlformats.org/drawingml/2006/table">
+            <a:tbl>
+              <a:tblPr firstRow="1" bandRow="1">
+                <a:tableStyleId>{93296810-A885-4BE3-A3E7-6D5BEEA58F35}</a:tableStyleId>
+              </a:tblPr>
+              <a:tblGrid>
+                <a:gridCol w="1646237"/>
+                <a:gridCol w="1646237"/>
+                <a:gridCol w="1646237"/>
+              </a:tblGrid>
+              <a:tr h="370840">
+                <a:tc gridSpan="3">
+                  <a:txBody>
+                    <a:bodyPr/>
+                    <a:lstStyle/>
+                    <a:p>
+                      <a:r>
+                        <a:rPr lang="en-US" sz="2800" dirty="0" smtClean="0"/>
+                        <a:t>Favorites</a:t>
+                      </a:r>
+                      <a:endParaRPr lang="en-US" sz="2800" dirty="0"/>
+                    </a:p>
+                  </a:txBody>
+                  <a:tcPr marL="87154" marR="87154"/>
+                </a:tc>
+                <a:tc hMerge="1">
+                  <a:txBody>
+                    <a:bodyPr/>
+                    <a:lstStyle/>
+                    <a:p>
+                      <a:endParaRPr lang="en-US" dirty="0"/>
+                    </a:p>
+                  </a:txBody>
+                  <a:tcPr/>
+                </a:tc>
+                <a:tc hMerge="1">
+                  <a:txBody>
+                    <a:bodyPr/>
+                    <a:lstStyle/>
+                    <a:p>
+                      <a:endParaRPr lang="en-US" dirty="0"/>
+                    </a:p>
+                  </a:txBody>
+                  <a:tcPr/>
+                </a:tc>
+              </a:tr>
+              <a:tr h="370840">
+                <a:tc>
+                  <a:txBody>
+                    <a:bodyPr/>
+                    <a:lstStyle/>
+                    <a:p>
+                      <a:r>
+                        <a:rPr lang="en-US" sz="2800" dirty="0" smtClean="0"/>
+                        <a:t>Id</a:t>
+                      </a:r>
+                      <a:endParaRPr lang="en-US" sz="2800" dirty="0"/>
+                    </a:p>
+                  </a:txBody>
+                  <a:tcPr marL="87154" marR="87154"/>
+                </a:tc>
+                <a:tc>
+                  <a:txBody>
+                    <a:bodyPr/>
+                    <a:lstStyle/>
+                    <a:p>
+                      <a:r>
+                        <a:rPr lang="en-US" sz="2800" dirty="0" smtClean="0"/>
+                        <a:t>Book Id</a:t>
+                      </a:r>
+                      <a:endParaRPr lang="en-US" sz="2800" dirty="0"/>
+                    </a:p>
+                  </a:txBody>
+                  <a:tcPr marL="87154" marR="87154"/>
+                </a:tc>
+                <a:tc>
+                  <a:txBody>
+                    <a:bodyPr/>
+                    <a:lstStyle/>
+                    <a:p>
+                      <a:r>
+                        <a:rPr lang="en-US" sz="2800" dirty="0" smtClean="0"/>
+                        <a:t>User Id</a:t>
+                      </a:r>
+                      <a:endParaRPr lang="en-US" sz="2800" dirty="0"/>
+                    </a:p>
+                  </a:txBody>
+                  <a:tcPr marL="87154" marR="87154"/>
+                </a:tc>
+              </a:tr>
+              <a:tr h="370840">
+                <a:tc>
+                  <a:txBody>
+                    <a:bodyPr/>
+                    <a:lstStyle/>
+                    <a:p>
+                      <a:r>
+                        <a:rPr lang="en-US" sz="2800" dirty="0" smtClean="0"/>
+                        <a:t>1</a:t>
+                      </a:r>
+                      <a:endParaRPr lang="en-US" sz="2800" dirty="0"/>
+                    </a:p>
+                  </a:txBody>
+                  <a:tcPr marL="87154" marR="87154"/>
+                </a:tc>
+                <a:tc>
+                  <a:txBody>
+                    <a:bodyPr/>
+                    <a:lstStyle/>
+                    <a:p>
+                      <a:endParaRPr lang="en-US" sz="2800"/>
+                    </a:p>
+                  </a:txBody>
+                  <a:tcPr marL="87154" marR="87154"/>
+                </a:tc>
+                <a:tc>
+                  <a:txBody>
+                    <a:bodyPr/>
+                    <a:lstStyle/>
+                    <a:p>
+                      <a:endParaRPr lang="en-US" sz="2800"/>
+                    </a:p>
+                  </a:txBody>
+                  <a:tcPr marL="87154" marR="87154"/>
+                </a:tc>
+              </a:tr>
+              <a:tr h="370840">
+                <a:tc>
+                  <a:txBody>
+                    <a:bodyPr/>
+                    <a:lstStyle/>
+                    <a:p>
+                      <a:r>
+                        <a:rPr lang="en-US" sz="2800" dirty="0" smtClean="0"/>
+                        <a:t>2</a:t>
+                      </a:r>
+                      <a:endParaRPr lang="en-US" sz="2800" dirty="0"/>
+                    </a:p>
+                  </a:txBody>
+                  <a:tcPr marL="87154" marR="87154"/>
+                </a:tc>
+                <a:tc>
+                  <a:txBody>
+                    <a:bodyPr/>
+                    <a:lstStyle/>
+                    <a:p>
+                      <a:endParaRPr lang="en-US" sz="2800"/>
+                    </a:p>
+                  </a:txBody>
+                  <a:tcPr marL="87154" marR="87154"/>
+                </a:tc>
+                <a:tc>
+                  <a:txBody>
+                    <a:bodyPr/>
+                    <a:lstStyle/>
+                    <a:p>
+                      <a:endParaRPr lang="en-US" sz="2800"/>
+                    </a:p>
+                  </a:txBody>
+                  <a:tcPr marL="87154" marR="87154"/>
+                </a:tc>
+              </a:tr>
+              <a:tr h="370840">
+                <a:tc>
+                  <a:txBody>
+                    <a:bodyPr/>
+                    <a:lstStyle/>
+                    <a:p>
+                      <a:r>
+                        <a:rPr lang="en-US" sz="2800" dirty="0" smtClean="0"/>
+                        <a:t>3</a:t>
+                      </a:r>
+                      <a:endParaRPr lang="en-US" sz="2800" dirty="0"/>
+                    </a:p>
+                  </a:txBody>
+                  <a:tcPr marL="87154" marR="87154"/>
+                </a:tc>
+                <a:tc>
+                  <a:txBody>
+                    <a:bodyPr/>
+                    <a:lstStyle/>
+                    <a:p>
+                      <a:endParaRPr lang="en-US" sz="2800"/>
+                    </a:p>
+                  </a:txBody>
+                  <a:tcPr marL="87154" marR="87154"/>
+                </a:tc>
+                <a:tc>
+                  <a:txBody>
+                    <a:bodyPr/>
+                    <a:lstStyle/>
+                    <a:p>
+                      <a:endParaRPr lang="en-US" sz="2800" dirty="0"/>
+                    </a:p>
+                  </a:txBody>
+                  <a:tcPr marL="87154" marR="87154"/>
+                </a:tc>
+              </a:tr>
+            </a:tbl>
+          </a:graphicData>
+        </a:graphic>
+      </p:graphicFrame>
+      <p:graphicFrame>
+        <p:nvGraphicFramePr>
+          <p:cNvPr id="6" name="Content Placeholder 5"/>
+          <p:cNvGraphicFramePr>
+            <a:graphicFrameLocks noGrp="1"/>
+          </p:cNvGraphicFramePr>
+          <p:nvPr>
+            <p:ph sz="half" idx="2"/>
+            <p:extLst>
+              <p:ext uri="{D42A27DB-BD31-4B8C-83A1-F6EECF244321}">
+                <p14:modId xmlns:p14="http://schemas.microsoft.com/office/powerpoint/2010/main" val="1058253772"/>
+              </p:ext>
+            </p:extLst>
+          </p:nvPr>
+        </p:nvGraphicFramePr>
+        <p:xfrm>
+          <a:off x="6218238" y="1846263"/>
+          <a:ext cx="4937124" cy="2590800"/>
+        </p:xfrm>
+        <a:graphic>
+          <a:graphicData uri="http://schemas.openxmlformats.org/drawingml/2006/table">
+            <a:tbl>
+              <a:tblPr firstRow="1" bandRow="1">
+                <a:tableStyleId>{5C22544A-7EE6-4342-B048-85BDC9FD1C3A}</a:tableStyleId>
+              </a:tblPr>
+              <a:tblGrid>
+                <a:gridCol w="1645708"/>
+                <a:gridCol w="1645708"/>
+                <a:gridCol w="1645708"/>
+              </a:tblGrid>
+              <a:tr h="370840">
+                <a:tc gridSpan="3">
+                  <a:txBody>
+                    <a:bodyPr/>
+                    <a:lstStyle/>
+                    <a:p>
+                      <a:r>
+                        <a:rPr lang="en-US" sz="2800" dirty="0" smtClean="0"/>
+                        <a:t>Currently Reading</a:t>
+                      </a:r>
+                      <a:endParaRPr lang="en-US" sz="2800" dirty="0"/>
+                    </a:p>
+                  </a:txBody>
+                  <a:tcPr marL="87126" marR="87126"/>
+                </a:tc>
+                <a:tc hMerge="1">
+                  <a:txBody>
+                    <a:bodyPr/>
+                    <a:lstStyle/>
+                    <a:p>
+                      <a:endParaRPr lang="en-US" dirty="0"/>
+                    </a:p>
+                  </a:txBody>
+                  <a:tcPr/>
+                </a:tc>
+                <a:tc hMerge="1">
+                  <a:txBody>
+                    <a:bodyPr/>
+                    <a:lstStyle/>
+                    <a:p>
+                      <a:endParaRPr lang="en-US" dirty="0"/>
+                    </a:p>
+                  </a:txBody>
+                  <a:tcPr/>
+                </a:tc>
+              </a:tr>
+              <a:tr h="370840">
+                <a:tc>
+                  <a:txBody>
+                    <a:bodyPr/>
+                    <a:lstStyle/>
+                    <a:p>
+                      <a:r>
+                        <a:rPr lang="en-US" sz="2800" dirty="0" smtClean="0"/>
+                        <a:t>Id</a:t>
+                      </a:r>
+                      <a:endParaRPr lang="en-US" sz="2800" dirty="0"/>
+                    </a:p>
+                  </a:txBody>
+                  <a:tcPr marL="87126" marR="87126"/>
+                </a:tc>
+                <a:tc>
+                  <a:txBody>
+                    <a:bodyPr/>
+                    <a:lstStyle/>
+                    <a:p>
+                      <a:r>
+                        <a:rPr lang="en-US" sz="2800" dirty="0" smtClean="0"/>
+                        <a:t>Book Id</a:t>
+                      </a:r>
+                      <a:endParaRPr lang="en-US" sz="2800" dirty="0"/>
+                    </a:p>
+                  </a:txBody>
+                  <a:tcPr marL="87126" marR="87126"/>
+                </a:tc>
+                <a:tc>
+                  <a:txBody>
+                    <a:bodyPr/>
+                    <a:lstStyle/>
+                    <a:p>
+                      <a:r>
+                        <a:rPr lang="en-US" sz="2800" dirty="0" smtClean="0"/>
+                        <a:t>User Id</a:t>
+                      </a:r>
+                      <a:endParaRPr lang="en-US" sz="2800" dirty="0"/>
+                    </a:p>
+                  </a:txBody>
+                  <a:tcPr marL="87126" marR="87126"/>
+                </a:tc>
+              </a:tr>
+              <a:tr h="370840">
+                <a:tc>
+                  <a:txBody>
+                    <a:bodyPr/>
+                    <a:lstStyle/>
+                    <a:p>
+                      <a:r>
+                        <a:rPr lang="en-US" sz="2800" dirty="0" smtClean="0"/>
+                        <a:t>1</a:t>
+                      </a:r>
+                      <a:endParaRPr lang="en-US" sz="2800" dirty="0"/>
+                    </a:p>
+                  </a:txBody>
+                  <a:tcPr marL="87126" marR="87126"/>
+                </a:tc>
+                <a:tc>
+                  <a:txBody>
+                    <a:bodyPr/>
+                    <a:lstStyle/>
+                    <a:p>
+                      <a:endParaRPr lang="en-US" sz="2800"/>
+                    </a:p>
+                  </a:txBody>
+                  <a:tcPr marL="87126" marR="87126"/>
+                </a:tc>
+                <a:tc>
+                  <a:txBody>
+                    <a:bodyPr/>
+                    <a:lstStyle/>
+                    <a:p>
+                      <a:endParaRPr lang="en-US" sz="2800"/>
+                    </a:p>
+                  </a:txBody>
+                  <a:tcPr marL="87126" marR="87126"/>
+                </a:tc>
+              </a:tr>
+              <a:tr h="370840">
+                <a:tc>
+                  <a:txBody>
+                    <a:bodyPr/>
+                    <a:lstStyle/>
+                    <a:p>
+                      <a:r>
+                        <a:rPr lang="en-US" sz="2800" dirty="0" smtClean="0"/>
+                        <a:t>2</a:t>
+                      </a:r>
+                      <a:endParaRPr lang="en-US" sz="2800" dirty="0"/>
+                    </a:p>
+                  </a:txBody>
+                  <a:tcPr marL="87126" marR="87126"/>
+                </a:tc>
+                <a:tc>
+                  <a:txBody>
+                    <a:bodyPr/>
+                    <a:lstStyle/>
+                    <a:p>
+                      <a:endParaRPr lang="en-US" sz="2800"/>
+                    </a:p>
+                  </a:txBody>
+                  <a:tcPr marL="87126" marR="87126"/>
+                </a:tc>
+                <a:tc>
+                  <a:txBody>
+                    <a:bodyPr/>
+                    <a:lstStyle/>
+                    <a:p>
+                      <a:endParaRPr lang="en-US" sz="2800"/>
+                    </a:p>
+                  </a:txBody>
+                  <a:tcPr marL="87126" marR="87126"/>
+                </a:tc>
+              </a:tr>
+              <a:tr h="370840">
+                <a:tc>
+                  <a:txBody>
+                    <a:bodyPr/>
+                    <a:lstStyle/>
+                    <a:p>
+                      <a:r>
+                        <a:rPr lang="en-US" sz="2800" dirty="0" smtClean="0"/>
+                        <a:t>3</a:t>
+                      </a:r>
+                      <a:endParaRPr lang="en-US" sz="2800" dirty="0"/>
+                    </a:p>
+                  </a:txBody>
+                  <a:tcPr marL="87126" marR="87126"/>
+                </a:tc>
+                <a:tc>
+                  <a:txBody>
+                    <a:bodyPr/>
+                    <a:lstStyle/>
+                    <a:p>
+                      <a:endParaRPr lang="en-US" sz="2800"/>
+                    </a:p>
+                  </a:txBody>
+                  <a:tcPr marL="87126" marR="87126"/>
+                </a:tc>
+                <a:tc>
+                  <a:txBody>
+                    <a:bodyPr/>
+                    <a:lstStyle/>
+                    <a:p>
+                      <a:endParaRPr lang="en-US" sz="2800" dirty="0"/>
+                    </a:p>
+                  </a:txBody>
+                  <a:tcPr marL="87126" marR="87126"/>
+                </a:tc>
+              </a:tr>
+            </a:tbl>
+          </a:graphicData>
+        </a:graphic>
+      </p:graphicFrame>
     </p:spTree>
     <p:extLst>
       <p:ext uri="{BB962C8B-B14F-4D97-AF65-F5344CB8AC3E}">
-        <p14:creationId xmlns:p14="http://schemas.microsoft.com/office/powerpoint/2010/main" val="2032651300"/>
+        <p14:creationId xmlns:p14="http://schemas.microsoft.com/office/powerpoint/2010/main" val="586721263"/>
       </p:ext>
     </p:extLst>
   </p:cSld>
   <p:clrMapOvr>
     <a:masterClrMapping/>
   </p:clrMapOvr>
-  <mc:AlternateContent xmlns:mc="http://schemas.openxmlformats.org/markup-compatibility/2006">
-    <mc:Choice xmlns:p14="http://schemas.microsoft.com/office/powerpoint/2010/main" Requires="p14">
-      <p:transition spd="med" p14:dur="700">
-        <p:fade/>
-      </p:transition>
-    </mc:Choice>
-    <mc:Fallback>
-      <p:transition spd="med">
-        <p:fade/>
-      </p:transition>
-    </mc:Fallback>
-  </mc:AlternateContent>
   <p:timing>
     <p:tnLst>
       <p:par>
@@ -3667,54 +6425,54 @@
 </file>
 
 <file path=ppt/theme/theme1.xml><?xml version="1.0" encoding="utf-8"?>
-<a:theme xmlns:a="http://schemas.openxmlformats.org/drawingml/2006/main" name="Office Theme">
+<a:theme xmlns:a="http://schemas.openxmlformats.org/drawingml/2006/main" name="Retrospect">
   <a:themeElements>
-    <a:clrScheme name="Office">
+    <a:clrScheme name="Retrospect">
       <a:dk1>
-        <a:sysClr val="windowText" lastClr="000000"/>
+        <a:srgbClr val="000000"/>
       </a:dk1>
       <a:lt1>
         <a:sysClr val="window" lastClr="FFFFFF"/>
       </a:lt1>
       <a:dk2>
-        <a:srgbClr val="44546A"/>
+        <a:srgbClr val="637052"/>
       </a:dk2>
       <a:lt2>
-        <a:srgbClr val="E7E6E6"/>
+        <a:srgbClr val="CCDDEA"/>
       </a:lt2>
       <a:accent1>
-        <a:srgbClr val="5B9BD5"/>
+        <a:srgbClr val="E48312"/>
       </a:accent1>
       <a:accent2>
-        <a:srgbClr val="ED7D31"/>
+        <a:srgbClr val="BD582C"/>
       </a:accent2>
       <a:accent3>
-        <a:srgbClr val="A5A5A5"/>
+        <a:srgbClr val="865640"/>
       </a:accent3>
       <a:accent4>
-        <a:srgbClr val="FFC000"/>
+        <a:srgbClr val="9B8357"/>
       </a:accent4>
       <a:accent5>
-        <a:srgbClr val="4472C4"/>
+        <a:srgbClr val="C2BC80"/>
       </a:accent5>
       <a:accent6>
-        <a:srgbClr val="70AD47"/>
+        <a:srgbClr val="94A088"/>
       </a:accent6>
       <a:hlink>
-        <a:srgbClr val="0563C1"/>
+        <a:srgbClr val="2998E3"/>
       </a:hlink>
       <a:folHlink>
-        <a:srgbClr val="954F72"/>
+        <a:srgbClr val="8C8C8C"/>
       </a:folHlink>
     </a:clrScheme>
-    <a:fontScheme name="Office">
+    <a:fontScheme name="Retrospect">
       <a:majorFont>
         <a:latin typeface="Calibri Light" panose="020F0302020204030204"/>
         <a:ea typeface=""/>
         <a:cs typeface=""/>
-        <a:font script="Jpan" typeface="Yu Gothic Light"/>
+        <a:font script="Jpan" typeface="ＭＳ Ｐゴシック"/>
         <a:font script="Hang" typeface="맑은 고딕"/>
-        <a:font script="Hans" typeface="DengXian Light"/>
+        <a:font script="Hans" typeface="宋体"/>
         <a:font script="Hant" typeface="新細明體"/>
         <a:font script="Arab" typeface="Times New Roman"/>
         <a:font script="Hebr" typeface="Times New Roman"/>
@@ -3747,9 +6505,9 @@
         <a:latin typeface="Calibri" panose="020F0502020204030204"/>
         <a:ea typeface=""/>
         <a:cs typeface=""/>
-        <a:font script="Jpan" typeface="Yu Gothic"/>
+        <a:font script="Jpan" typeface="ＭＳ Ｐゴシック"/>
         <a:font script="Hang" typeface="맑은 고딕"/>
-        <a:font script="Hans" typeface="DengXian"/>
+        <a:font script="Hans" typeface="宋体"/>
         <a:font script="Hant" typeface="新細明體"/>
         <a:font script="Arab" typeface="Arial"/>
         <a:font script="Hebr" typeface="Arial"/>
@@ -3779,7 +6537,7 @@
         <a:font script="Geor" typeface="Sylfaen"/>
       </a:minorFont>
     </a:fontScheme>
-    <a:fmtScheme name="Office">
+    <a:fmtScheme name="Retrospect">
       <a:fillStyleLst>
         <a:solidFill>
           <a:schemeClr val="phClr"/>
@@ -3788,76 +6546,81 @@
           <a:gsLst>
             <a:gs pos="0">
               <a:schemeClr val="phClr">
-                <a:lumMod val="110000"/>
-                <a:satMod val="105000"/>
-                <a:tint val="67000"/>
+                <a:tint val="65000"/>
+                <a:shade val="92000"/>
+                <a:satMod val="130000"/>
               </a:schemeClr>
             </a:gs>
-            <a:gs pos="50000">
+            <a:gs pos="45000">
               <a:schemeClr val="phClr">
-                <a:lumMod val="105000"/>
-                <a:satMod val="103000"/>
-                <a:tint val="73000"/>
+                <a:tint val="60000"/>
+                <a:shade val="99000"/>
+                <a:satMod val="120000"/>
               </a:schemeClr>
             </a:gs>
             <a:gs pos="100000">
               <a:schemeClr val="phClr">
-                <a:lumMod val="105000"/>
-                <a:satMod val="109000"/>
-                <a:tint val="81000"/>
+                <a:tint val="55000"/>
+                <a:satMod val="140000"/>
               </a:schemeClr>
             </a:gs>
           </a:gsLst>
-          <a:lin ang="5400000" scaled="0"/>
+          <a:path path="circle">
+            <a:fillToRect l="100000" t="100000" r="100000" b="100000"/>
+          </a:path>
         </a:gradFill>
         <a:gradFill rotWithShape="1">
           <a:gsLst>
             <a:gs pos="0">
               <a:schemeClr val="phClr">
-                <a:satMod val="103000"/>
-                <a:lumMod val="102000"/>
-                <a:tint val="94000"/>
+                <a:shade val="85000"/>
+                <a:satMod val="130000"/>
               </a:schemeClr>
             </a:gs>
-            <a:gs pos="50000">
+            <a:gs pos="34000">
               <a:schemeClr val="phClr">
-                <a:satMod val="110000"/>
-                <a:lumMod val="100000"/>
-                <a:shade val="100000"/>
+                <a:shade val="87000"/>
+                <a:satMod val="125000"/>
+              </a:schemeClr>
+            </a:gs>
+            <a:gs pos="70000">
+              <a:schemeClr val="phClr">
+                <a:tint val="100000"/>
+                <a:shade val="90000"/>
+                <a:satMod val="130000"/>
               </a:schemeClr>
             </a:gs>
             <a:gs pos="100000">
               <a:schemeClr val="phClr">
-                <a:lumMod val="99000"/>
-                <a:satMod val="120000"/>
-                <a:shade val="78000"/>
+                <a:tint val="100000"/>
+                <a:shade val="100000"/>
+                <a:satMod val="110000"/>
               </a:schemeClr>
             </a:gs>
           </a:gsLst>
-          <a:lin ang="5400000" scaled="0"/>
+          <a:path path="circle">
+            <a:fillToRect l="100000" t="100000" r="100000" b="100000"/>
+          </a:path>
         </a:gradFill>
       </a:fillStyleLst>
       <a:lnStyleLst>
-        <a:ln w="6350" cap="flat" cmpd="sng" algn="ctr">
-          <a:solidFill>
-            <a:schemeClr val="phClr"/>
-          </a:solidFill>
-          <a:prstDash val="solid"/>
-          <a:miter lim="800000"/>
-        </a:ln>
         <a:ln w="12700" cap="flat" cmpd="sng" algn="ctr">
           <a:solidFill>
             <a:schemeClr val="phClr"/>
           </a:solidFill>
           <a:prstDash val="solid"/>
-          <a:miter lim="800000"/>
         </a:ln>
-        <a:ln w="19050" cap="flat" cmpd="sng" algn="ctr">
+        <a:ln w="15875" cap="flat" cmpd="sng" algn="ctr">
           <a:solidFill>
             <a:schemeClr val="phClr"/>
           </a:solidFill>
           <a:prstDash val="solid"/>
-          <a:miter lim="800000"/>
+        </a:ln>
+        <a:ln w="25400" cap="flat" cmpd="sng" algn="ctr">
+          <a:solidFill>
+            <a:schemeClr val="phClr"/>
+          </a:solidFill>
+          <a:prstDash val="solid"/>
         </a:ln>
       </a:lnStyleLst>
       <a:effectStyleLst>
@@ -3865,16 +6628,33 @@
           <a:effectLst/>
         </a:effectStyle>
         <a:effectStyle>
-          <a:effectLst/>
+          <a:effectLst>
+            <a:outerShdw blurRad="38100" dist="25400" dir="2700000" algn="br" rotWithShape="0">
+              <a:srgbClr val="000000">
+                <a:alpha val="60000"/>
+              </a:srgbClr>
+            </a:outerShdw>
+          </a:effectLst>
         </a:effectStyle>
         <a:effectStyle>
           <a:effectLst>
-            <a:outerShdw blurRad="57150" dist="19050" dir="5400000" algn="ctr" rotWithShape="0">
+            <a:outerShdw blurRad="44450" dist="25400" dir="2700000" algn="br" rotWithShape="0">
               <a:srgbClr val="000000">
-                <a:alpha val="63000"/>
+                <a:alpha val="60000"/>
               </a:srgbClr>
             </a:outerShdw>
           </a:effectLst>
+          <a:scene3d>
+            <a:camera prst="orthographicFront">
+              <a:rot lat="0" lon="0" rev="0"/>
+            </a:camera>
+            <a:lightRig rig="threePt" dir="t">
+              <a:rot lat="0" lon="0" rev="19800000"/>
+            </a:lightRig>
+          </a:scene3d>
+          <a:sp3d prstMaterial="flat">
+            <a:bevelT w="25400" h="31750"/>
+          </a:sp3d>
         </a:effectStyle>
       </a:effectStyleLst>
       <a:bgFillStyleLst>
@@ -3883,36 +6663,36 @@
         </a:solidFill>
         <a:solidFill>
           <a:schemeClr val="phClr">
-            <a:tint val="95000"/>
-            <a:satMod val="170000"/>
+            <a:tint val="90000"/>
+            <a:shade val="97000"/>
+            <a:satMod val="130000"/>
           </a:schemeClr>
         </a:solidFill>
         <a:gradFill rotWithShape="1">
           <a:gsLst>
             <a:gs pos="0">
               <a:schemeClr val="phClr">
-                <a:tint val="93000"/>
-                <a:satMod val="150000"/>
-                <a:shade val="98000"/>
-                <a:lumMod val="102000"/>
+                <a:tint val="96000"/>
+                <a:shade val="99000"/>
+                <a:satMod val="140000"/>
               </a:schemeClr>
             </a:gs>
-            <a:gs pos="50000">
+            <a:gs pos="65000">
               <a:schemeClr val="phClr">
-                <a:tint val="98000"/>
+                <a:tint val="100000"/>
+                <a:shade val="80000"/>
                 <a:satMod val="130000"/>
-                <a:shade val="90000"/>
-                <a:lumMod val="103000"/>
               </a:schemeClr>
             </a:gs>
             <a:gs pos="100000">
               <a:schemeClr val="phClr">
-                <a:shade val="63000"/>
+                <a:tint val="100000"/>
+                <a:shade val="48000"/>
                 <a:satMod val="120000"/>
               </a:schemeClr>
             </a:gs>
           </a:gsLst>
-          <a:lin ang="5400000" scaled="0"/>
+          <a:lin ang="16200000" scaled="0"/>
         </a:gradFill>
       </a:bgFillStyleLst>
     </a:fmtScheme>
@@ -3921,7 +6701,7 @@
   <a:extraClrSchemeLst/>
   <a:extLst>
     <a:ext uri="{05A4C25C-085E-4340-85A3-A5531E510DB2}">
-      <thm15:themeFamily xmlns:thm15="http://schemas.microsoft.com/office/thememl/2012/main" name="Office Theme" id="{62F939B6-93AF-4DB8-9C6B-D6C7DFDC589F}" vid="{4A3C46E8-61CC-4603-A589-7422A47A8E4A}"/>
+      <thm15:themeFamily xmlns:thm15="http://schemas.microsoft.com/office/thememl/2012/main" name="Retrospect" id="{5F128B03-DCCA-4EEB-AB3B-CF2899314A46}" vid="{3F1AAB62-24C6-49D2-8E01-B56FAC9A3DCD}"/>
     </a:ext>
   </a:extLst>
 </a:theme>
